--- a/DATAAGRO_papa/Power Bi_PAPA.pptx
+++ b/DATAAGRO_papa/Power Bi_PAPA.pptx
@@ -16,9 +16,10 @@
     <p:sldId id="332" r:id="rId10"/>
     <p:sldId id="334" r:id="rId11"/>
     <p:sldId id="335" r:id="rId12"/>
-    <p:sldId id="333" r:id="rId13"/>
-    <p:sldId id="338" r:id="rId14"/>
-    <p:sldId id="337" r:id="rId15"/>
+    <p:sldId id="339" r:id="rId13"/>
+    <p:sldId id="333" r:id="rId14"/>
+    <p:sldId id="338" r:id="rId15"/>
+    <p:sldId id="337" r:id="rId16"/>
   </p:sldIdLst>
   <p:sldSz cx="12192000" cy="6858000"/>
   <p:notesSz cx="6858000" cy="9144000"/>
@@ -1045,6 +1046,925 @@
 </file>
 
 <file path=ppt/diagrams/colors10.xml><?xml version="1.0" encoding="utf-8"?>
+<dgm:colorsDef xmlns:dgm="http://schemas.openxmlformats.org/drawingml/2006/diagram" xmlns:a="http://schemas.openxmlformats.org/drawingml/2006/main" uniqueId="urn:microsoft.com/office/officeart/2005/8/colors/colorful1">
+  <dgm:title val=""/>
+  <dgm:desc val=""/>
+  <dgm:catLst>
+    <dgm:cat type="colorful" pri="10100"/>
+  </dgm:catLst>
+  <dgm:styleLbl name="node0">
+    <dgm:fillClrLst meth="repeat">
+      <a:schemeClr val="accent1"/>
+    </dgm:fillClrLst>
+    <dgm:linClrLst meth="repeat">
+      <a:schemeClr val="lt1"/>
+    </dgm:linClrLst>
+    <dgm:effectClrLst/>
+    <dgm:txLinClrLst/>
+    <dgm:txFillClrLst/>
+    <dgm:txEffectClrLst/>
+  </dgm:styleLbl>
+  <dgm:styleLbl name="node1">
+    <dgm:fillClrLst meth="repeat">
+      <a:schemeClr val="accent2"/>
+      <a:schemeClr val="accent3"/>
+      <a:schemeClr val="accent4"/>
+      <a:schemeClr val="accent5"/>
+      <a:schemeClr val="accent6"/>
+    </dgm:fillClrLst>
+    <dgm:linClrLst meth="repeat">
+      <a:schemeClr val="lt1"/>
+    </dgm:linClrLst>
+    <dgm:effectClrLst/>
+    <dgm:txLinClrLst/>
+    <dgm:txFillClrLst/>
+    <dgm:txEffectClrLst/>
+  </dgm:styleLbl>
+  <dgm:styleLbl name="alignNode1">
+    <dgm:fillClrLst meth="repeat">
+      <a:schemeClr val="accent2"/>
+      <a:schemeClr val="accent3"/>
+      <a:schemeClr val="accent4"/>
+      <a:schemeClr val="accent5"/>
+      <a:schemeClr val="accent6"/>
+    </dgm:fillClrLst>
+    <dgm:linClrLst meth="repeat">
+      <a:schemeClr val="accent2"/>
+      <a:schemeClr val="accent3"/>
+      <a:schemeClr val="accent4"/>
+      <a:schemeClr val="accent5"/>
+      <a:schemeClr val="accent6"/>
+    </dgm:linClrLst>
+    <dgm:effectClrLst/>
+    <dgm:txLinClrLst/>
+    <dgm:txFillClrLst/>
+    <dgm:txEffectClrLst/>
+  </dgm:styleLbl>
+  <dgm:styleLbl name="lnNode1">
+    <dgm:fillClrLst meth="repeat">
+      <a:schemeClr val="accent2"/>
+      <a:schemeClr val="accent3"/>
+      <a:schemeClr val="accent4"/>
+      <a:schemeClr val="accent5"/>
+      <a:schemeClr val="accent6"/>
+    </dgm:fillClrLst>
+    <dgm:linClrLst meth="repeat">
+      <a:schemeClr val="lt1"/>
+    </dgm:linClrLst>
+    <dgm:effectClrLst/>
+    <dgm:txLinClrLst/>
+    <dgm:txFillClrLst/>
+    <dgm:txEffectClrLst/>
+  </dgm:styleLbl>
+  <dgm:styleLbl name="vennNode1">
+    <dgm:fillClrLst meth="repeat">
+      <a:schemeClr val="accent2">
+        <a:alpha val="50000"/>
+      </a:schemeClr>
+      <a:schemeClr val="accent3">
+        <a:alpha val="50000"/>
+      </a:schemeClr>
+      <a:schemeClr val="accent4">
+        <a:alpha val="50000"/>
+      </a:schemeClr>
+      <a:schemeClr val="accent5">
+        <a:alpha val="50000"/>
+      </a:schemeClr>
+      <a:schemeClr val="accent6">
+        <a:alpha val="50000"/>
+      </a:schemeClr>
+    </dgm:fillClrLst>
+    <dgm:linClrLst meth="repeat">
+      <a:schemeClr val="lt1"/>
+    </dgm:linClrLst>
+    <dgm:effectClrLst/>
+    <dgm:txLinClrLst/>
+    <dgm:txFillClrLst/>
+    <dgm:txEffectClrLst/>
+  </dgm:styleLbl>
+  <dgm:styleLbl name="node2">
+    <dgm:fillClrLst>
+      <a:schemeClr val="accent2"/>
+    </dgm:fillClrLst>
+    <dgm:linClrLst meth="repeat">
+      <a:schemeClr val="lt1"/>
+    </dgm:linClrLst>
+    <dgm:effectClrLst/>
+    <dgm:txLinClrLst/>
+    <dgm:txFillClrLst/>
+    <dgm:txEffectClrLst/>
+  </dgm:styleLbl>
+  <dgm:styleLbl name="node3">
+    <dgm:fillClrLst>
+      <a:schemeClr val="accent3"/>
+    </dgm:fillClrLst>
+    <dgm:linClrLst meth="repeat">
+      <a:schemeClr val="lt1"/>
+    </dgm:linClrLst>
+    <dgm:effectClrLst/>
+    <dgm:txLinClrLst/>
+    <dgm:txFillClrLst/>
+    <dgm:txEffectClrLst/>
+  </dgm:styleLbl>
+  <dgm:styleLbl name="node4">
+    <dgm:fillClrLst>
+      <a:schemeClr val="accent4"/>
+    </dgm:fillClrLst>
+    <dgm:linClrLst meth="repeat">
+      <a:schemeClr val="lt1"/>
+    </dgm:linClrLst>
+    <dgm:effectClrLst/>
+    <dgm:txLinClrLst/>
+    <dgm:txFillClrLst/>
+    <dgm:txEffectClrLst/>
+  </dgm:styleLbl>
+  <dgm:styleLbl name="fgImgPlace1">
+    <dgm:fillClrLst meth="repeat">
+      <a:schemeClr val="accent2">
+        <a:tint val="50000"/>
+      </a:schemeClr>
+      <a:schemeClr val="accent3">
+        <a:tint val="50000"/>
+      </a:schemeClr>
+      <a:schemeClr val="accent4">
+        <a:tint val="50000"/>
+      </a:schemeClr>
+      <a:schemeClr val="accent5">
+        <a:tint val="50000"/>
+      </a:schemeClr>
+      <a:schemeClr val="accent6">
+        <a:tint val="50000"/>
+      </a:schemeClr>
+    </dgm:fillClrLst>
+    <dgm:linClrLst meth="repeat">
+      <a:schemeClr val="lt1"/>
+    </dgm:linClrLst>
+    <dgm:effectClrLst/>
+    <dgm:txLinClrLst/>
+    <dgm:txFillClrLst meth="repeat">
+      <a:schemeClr val="lt1"/>
+    </dgm:txFillClrLst>
+    <dgm:txEffectClrLst/>
+  </dgm:styleLbl>
+  <dgm:styleLbl name="alignImgPlace1">
+    <dgm:fillClrLst>
+      <a:schemeClr val="accent1">
+        <a:tint val="50000"/>
+      </a:schemeClr>
+      <a:schemeClr val="accent2">
+        <a:tint val="20000"/>
+      </a:schemeClr>
+    </dgm:fillClrLst>
+    <dgm:linClrLst meth="repeat">
+      <a:schemeClr val="lt1"/>
+    </dgm:linClrLst>
+    <dgm:effectClrLst/>
+    <dgm:txLinClrLst/>
+    <dgm:txFillClrLst meth="repeat">
+      <a:schemeClr val="lt1"/>
+    </dgm:txFillClrLst>
+    <dgm:txEffectClrLst/>
+  </dgm:styleLbl>
+  <dgm:styleLbl name="bgImgPlace1">
+    <dgm:fillClrLst>
+      <a:schemeClr val="accent1">
+        <a:tint val="50000"/>
+      </a:schemeClr>
+      <a:schemeClr val="accent2">
+        <a:tint val="20000"/>
+      </a:schemeClr>
+    </dgm:fillClrLst>
+    <dgm:linClrLst meth="repeat">
+      <a:schemeClr val="lt1"/>
+    </dgm:linClrLst>
+    <dgm:effectClrLst/>
+    <dgm:txLinClrLst/>
+    <dgm:txFillClrLst meth="repeat">
+      <a:schemeClr val="lt1"/>
+    </dgm:txFillClrLst>
+    <dgm:txEffectClrLst/>
+  </dgm:styleLbl>
+  <dgm:styleLbl name="sibTrans2D1">
+    <dgm:fillClrLst meth="repeat">
+      <a:schemeClr val="accent2"/>
+      <a:schemeClr val="accent3"/>
+      <a:schemeClr val="accent4"/>
+      <a:schemeClr val="accent5"/>
+      <a:schemeClr val="accent6"/>
+    </dgm:fillClrLst>
+    <dgm:linClrLst meth="cycle">
+      <a:schemeClr val="lt1"/>
+    </dgm:linClrLst>
+    <dgm:effectClrLst/>
+    <dgm:txLinClrLst/>
+    <dgm:txFillClrLst/>
+    <dgm:txEffectClrLst/>
+  </dgm:styleLbl>
+  <dgm:styleLbl name="fgSibTrans2D1">
+    <dgm:fillClrLst meth="repeat">
+      <a:schemeClr val="accent2"/>
+      <a:schemeClr val="accent3"/>
+      <a:schemeClr val="accent4"/>
+      <a:schemeClr val="accent5"/>
+      <a:schemeClr val="accent6"/>
+    </dgm:fillClrLst>
+    <dgm:linClrLst meth="cycle">
+      <a:schemeClr val="lt1"/>
+    </dgm:linClrLst>
+    <dgm:effectClrLst/>
+    <dgm:txLinClrLst/>
+    <dgm:txFillClrLst meth="repeat">
+      <a:schemeClr val="lt1"/>
+    </dgm:txFillClrLst>
+    <dgm:txEffectClrLst/>
+  </dgm:styleLbl>
+  <dgm:styleLbl name="bgSibTrans2D1">
+    <dgm:fillClrLst meth="repeat">
+      <a:schemeClr val="accent2"/>
+      <a:schemeClr val="accent3"/>
+      <a:schemeClr val="accent4"/>
+      <a:schemeClr val="accent5"/>
+      <a:schemeClr val="accent6"/>
+    </dgm:fillClrLst>
+    <dgm:linClrLst meth="cycle">
+      <a:schemeClr val="lt1"/>
+    </dgm:linClrLst>
+    <dgm:effectClrLst/>
+    <dgm:txLinClrLst/>
+    <dgm:txFillClrLst meth="repeat">
+      <a:schemeClr val="lt1"/>
+    </dgm:txFillClrLst>
+    <dgm:txEffectClrLst/>
+  </dgm:styleLbl>
+  <dgm:styleLbl name="sibTrans1D1">
+    <dgm:fillClrLst meth="repeat">
+      <a:schemeClr val="accent2"/>
+      <a:schemeClr val="accent3"/>
+      <a:schemeClr val="accent4"/>
+      <a:schemeClr val="accent5"/>
+      <a:schemeClr val="accent6"/>
+    </dgm:fillClrLst>
+    <dgm:linClrLst meth="repeat">
+      <a:schemeClr val="accent2"/>
+      <a:schemeClr val="accent3"/>
+      <a:schemeClr val="accent4"/>
+      <a:schemeClr val="accent5"/>
+      <a:schemeClr val="accent6"/>
+    </dgm:linClrLst>
+    <dgm:effectClrLst/>
+    <dgm:txLinClrLst/>
+    <dgm:txFillClrLst meth="repeat">
+      <a:schemeClr val="tx1"/>
+    </dgm:txFillClrLst>
+    <dgm:txEffectClrLst/>
+  </dgm:styleLbl>
+  <dgm:styleLbl name="callout">
+    <dgm:fillClrLst meth="repeat">
+      <a:schemeClr val="accent2"/>
+    </dgm:fillClrLst>
+    <dgm:linClrLst meth="repeat">
+      <a:schemeClr val="accent2">
+        <a:tint val="50000"/>
+      </a:schemeClr>
+    </dgm:linClrLst>
+    <dgm:effectClrLst/>
+    <dgm:txLinClrLst/>
+    <dgm:txFillClrLst meth="repeat">
+      <a:schemeClr val="tx1"/>
+    </dgm:txFillClrLst>
+    <dgm:txEffectClrLst/>
+  </dgm:styleLbl>
+  <dgm:styleLbl name="asst0">
+    <dgm:fillClrLst meth="repeat">
+      <a:schemeClr val="accent1"/>
+    </dgm:fillClrLst>
+    <dgm:linClrLst meth="repeat">
+      <a:schemeClr val="lt1"/>
+    </dgm:linClrLst>
+    <dgm:effectClrLst/>
+    <dgm:txLinClrLst/>
+    <dgm:txFillClrLst/>
+    <dgm:txEffectClrLst/>
+  </dgm:styleLbl>
+  <dgm:styleLbl name="asst1">
+    <dgm:fillClrLst meth="repeat">
+      <a:schemeClr val="accent2"/>
+    </dgm:fillClrLst>
+    <dgm:linClrLst meth="repeat">
+      <a:schemeClr val="lt1"/>
+    </dgm:linClrLst>
+    <dgm:effectClrLst/>
+    <dgm:txLinClrLst/>
+    <dgm:txFillClrLst/>
+    <dgm:txEffectClrLst/>
+  </dgm:styleLbl>
+  <dgm:styleLbl name="asst2">
+    <dgm:fillClrLst>
+      <a:schemeClr val="accent3"/>
+    </dgm:fillClrLst>
+    <dgm:linClrLst meth="repeat">
+      <a:schemeClr val="lt1"/>
+    </dgm:linClrLst>
+    <dgm:effectClrLst/>
+    <dgm:txLinClrLst/>
+    <dgm:txFillClrLst/>
+    <dgm:txEffectClrLst/>
+  </dgm:styleLbl>
+  <dgm:styleLbl name="asst3">
+    <dgm:fillClrLst>
+      <a:schemeClr val="accent4"/>
+    </dgm:fillClrLst>
+    <dgm:linClrLst meth="repeat">
+      <a:schemeClr val="lt1"/>
+    </dgm:linClrLst>
+    <dgm:effectClrLst/>
+    <dgm:txLinClrLst/>
+    <dgm:txFillClrLst/>
+    <dgm:txEffectClrLst/>
+  </dgm:styleLbl>
+  <dgm:styleLbl name="asst4">
+    <dgm:fillClrLst>
+      <a:schemeClr val="accent5"/>
+    </dgm:fillClrLst>
+    <dgm:linClrLst meth="repeat">
+      <a:schemeClr val="lt1"/>
+    </dgm:linClrLst>
+    <dgm:effectClrLst/>
+    <dgm:txLinClrLst/>
+    <dgm:txFillClrLst/>
+    <dgm:txEffectClrLst/>
+  </dgm:styleLbl>
+  <dgm:styleLbl name="parChTrans2D1">
+    <dgm:fillClrLst meth="repeat">
+      <a:schemeClr val="accent2"/>
+    </dgm:fillClrLst>
+    <dgm:linClrLst meth="repeat">
+      <a:schemeClr val="lt1"/>
+    </dgm:linClrLst>
+    <dgm:effectClrLst/>
+    <dgm:txLinClrLst/>
+    <dgm:txFillClrLst meth="repeat">
+      <a:schemeClr val="lt1"/>
+    </dgm:txFillClrLst>
+    <dgm:txEffectClrLst/>
+  </dgm:styleLbl>
+  <dgm:styleLbl name="parChTrans2D2">
+    <dgm:fillClrLst meth="repeat">
+      <a:schemeClr val="accent3"/>
+    </dgm:fillClrLst>
+    <dgm:linClrLst meth="repeat">
+      <a:schemeClr val="lt1"/>
+    </dgm:linClrLst>
+    <dgm:effectClrLst/>
+    <dgm:txLinClrLst/>
+    <dgm:txFillClrLst/>
+    <dgm:txEffectClrLst/>
+  </dgm:styleLbl>
+  <dgm:styleLbl name="parChTrans2D3">
+    <dgm:fillClrLst meth="repeat">
+      <a:schemeClr val="accent4"/>
+    </dgm:fillClrLst>
+    <dgm:linClrLst meth="repeat">
+      <a:schemeClr val="lt1"/>
+    </dgm:linClrLst>
+    <dgm:effectClrLst/>
+    <dgm:txLinClrLst/>
+    <dgm:txFillClrLst/>
+    <dgm:txEffectClrLst/>
+  </dgm:styleLbl>
+  <dgm:styleLbl name="parChTrans2D4">
+    <dgm:fillClrLst meth="repeat">
+      <a:schemeClr val="accent5"/>
+    </dgm:fillClrLst>
+    <dgm:linClrLst meth="repeat">
+      <a:schemeClr val="lt1"/>
+    </dgm:linClrLst>
+    <dgm:effectClrLst/>
+    <dgm:txLinClrLst/>
+    <dgm:txFillClrLst meth="repeat">
+      <a:schemeClr val="lt1"/>
+    </dgm:txFillClrLst>
+    <dgm:txEffectClrLst/>
+  </dgm:styleLbl>
+  <dgm:styleLbl name="parChTrans1D1">
+    <dgm:fillClrLst meth="repeat">
+      <a:schemeClr val="accent2"/>
+    </dgm:fillClrLst>
+    <dgm:linClrLst meth="repeat">
+      <a:schemeClr val="accent1"/>
+    </dgm:linClrLst>
+    <dgm:effectClrLst/>
+    <dgm:txLinClrLst/>
+    <dgm:txFillClrLst meth="repeat">
+      <a:schemeClr val="tx1"/>
+    </dgm:txFillClrLst>
+    <dgm:txEffectClrLst/>
+  </dgm:styleLbl>
+  <dgm:styleLbl name="parChTrans1D2">
+    <dgm:fillClrLst meth="repeat">
+      <a:schemeClr val="accent3">
+        <a:tint val="90000"/>
+      </a:schemeClr>
+    </dgm:fillClrLst>
+    <dgm:linClrLst meth="repeat">
+      <a:schemeClr val="accent2"/>
+    </dgm:linClrLst>
+    <dgm:effectClrLst/>
+    <dgm:txLinClrLst/>
+    <dgm:txFillClrLst meth="repeat">
+      <a:schemeClr val="tx1"/>
+    </dgm:txFillClrLst>
+    <dgm:txEffectClrLst/>
+  </dgm:styleLbl>
+  <dgm:styleLbl name="parChTrans1D3">
+    <dgm:fillClrLst meth="repeat">
+      <a:schemeClr val="accent4">
+        <a:tint val="70000"/>
+      </a:schemeClr>
+    </dgm:fillClrLst>
+    <dgm:linClrLst meth="repeat">
+      <a:schemeClr val="accent3"/>
+    </dgm:linClrLst>
+    <dgm:effectClrLst/>
+    <dgm:txLinClrLst/>
+    <dgm:txFillClrLst meth="repeat">
+      <a:schemeClr val="tx1"/>
+    </dgm:txFillClrLst>
+    <dgm:txEffectClrLst/>
+  </dgm:styleLbl>
+  <dgm:styleLbl name="parChTrans1D4">
+    <dgm:fillClrLst meth="repeat">
+      <a:schemeClr val="accent5">
+        <a:tint val="50000"/>
+      </a:schemeClr>
+    </dgm:fillClrLst>
+    <dgm:linClrLst meth="repeat">
+      <a:schemeClr val="accent4"/>
+    </dgm:linClrLst>
+    <dgm:effectClrLst/>
+    <dgm:txLinClrLst/>
+    <dgm:txFillClrLst meth="repeat">
+      <a:schemeClr val="tx1"/>
+    </dgm:txFillClrLst>
+    <dgm:txEffectClrLst/>
+  </dgm:styleLbl>
+  <dgm:styleLbl name="fgAcc1">
+    <dgm:fillClrLst meth="repeat">
+      <a:schemeClr val="lt1">
+        <a:alpha val="90000"/>
+      </a:schemeClr>
+    </dgm:fillClrLst>
+    <dgm:linClrLst meth="repeat">
+      <a:schemeClr val="accent2"/>
+      <a:schemeClr val="accent3"/>
+      <a:schemeClr val="accent4"/>
+      <a:schemeClr val="accent5"/>
+      <a:schemeClr val="accent6"/>
+    </dgm:linClrLst>
+    <dgm:effectClrLst/>
+    <dgm:txLinClrLst/>
+    <dgm:txFillClrLst meth="repeat">
+      <a:schemeClr val="dk1"/>
+    </dgm:txFillClrLst>
+    <dgm:txEffectClrLst/>
+  </dgm:styleLbl>
+  <dgm:styleLbl name="conFgAcc1">
+    <dgm:fillClrLst meth="repeat">
+      <a:schemeClr val="lt1">
+        <a:alpha val="90000"/>
+      </a:schemeClr>
+    </dgm:fillClrLst>
+    <dgm:linClrLst meth="repeat">
+      <a:schemeClr val="accent2"/>
+      <a:schemeClr val="accent3"/>
+      <a:schemeClr val="accent4"/>
+      <a:schemeClr val="accent5"/>
+      <a:schemeClr val="accent6"/>
+    </dgm:linClrLst>
+    <dgm:effectClrLst/>
+    <dgm:txLinClrLst/>
+    <dgm:txFillClrLst meth="repeat">
+      <a:schemeClr val="dk1"/>
+    </dgm:txFillClrLst>
+    <dgm:txEffectClrLst/>
+  </dgm:styleLbl>
+  <dgm:styleLbl name="alignAcc1">
+    <dgm:fillClrLst meth="repeat">
+      <a:schemeClr val="lt1">
+        <a:alpha val="90000"/>
+      </a:schemeClr>
+    </dgm:fillClrLst>
+    <dgm:linClrLst meth="repeat">
+      <a:schemeClr val="accent2"/>
+      <a:schemeClr val="accent3"/>
+      <a:schemeClr val="accent4"/>
+      <a:schemeClr val="accent5"/>
+      <a:schemeClr val="accent6"/>
+    </dgm:linClrLst>
+    <dgm:effectClrLst/>
+    <dgm:txLinClrLst/>
+    <dgm:txFillClrLst meth="repeat">
+      <a:schemeClr val="dk1"/>
+    </dgm:txFillClrLst>
+    <dgm:txEffectClrLst/>
+  </dgm:styleLbl>
+  <dgm:styleLbl name="trAlignAcc1">
+    <dgm:fillClrLst meth="repeat">
+      <a:schemeClr val="lt1">
+        <a:alpha val="40000"/>
+      </a:schemeClr>
+    </dgm:fillClrLst>
+    <dgm:linClrLst meth="repeat">
+      <a:schemeClr val="accent1"/>
+    </dgm:linClrLst>
+    <dgm:effectClrLst/>
+    <dgm:txLinClrLst/>
+    <dgm:txFillClrLst meth="repeat">
+      <a:schemeClr val="dk1"/>
+    </dgm:txFillClrLst>
+    <dgm:txEffectClrLst/>
+  </dgm:styleLbl>
+  <dgm:styleLbl name="bgAcc1">
+    <dgm:fillClrLst meth="repeat">
+      <a:schemeClr val="lt1">
+        <a:alpha val="90000"/>
+      </a:schemeClr>
+    </dgm:fillClrLst>
+    <dgm:linClrLst meth="repeat">
+      <a:schemeClr val="accent2"/>
+      <a:schemeClr val="accent3"/>
+      <a:schemeClr val="accent4"/>
+      <a:schemeClr val="accent5"/>
+      <a:schemeClr val="accent6"/>
+    </dgm:linClrLst>
+    <dgm:effectClrLst/>
+    <dgm:txLinClrLst/>
+    <dgm:txFillClrLst meth="repeat">
+      <a:schemeClr val="dk1"/>
+    </dgm:txFillClrLst>
+    <dgm:txEffectClrLst/>
+  </dgm:styleLbl>
+  <dgm:styleLbl name="solidFgAcc1">
+    <dgm:fillClrLst meth="repeat">
+      <a:schemeClr val="lt1"/>
+    </dgm:fillClrLst>
+    <dgm:linClrLst meth="repeat">
+      <a:schemeClr val="accent2"/>
+      <a:schemeClr val="accent3"/>
+      <a:schemeClr val="accent4"/>
+      <a:schemeClr val="accent5"/>
+      <a:schemeClr val="accent6"/>
+    </dgm:linClrLst>
+    <dgm:effectClrLst/>
+    <dgm:txLinClrLst/>
+    <dgm:txFillClrLst meth="repeat">
+      <a:schemeClr val="dk1"/>
+    </dgm:txFillClrLst>
+    <dgm:txEffectClrLst/>
+  </dgm:styleLbl>
+  <dgm:styleLbl name="solidAlignAcc1">
+    <dgm:fillClrLst meth="repeat">
+      <a:schemeClr val="lt1"/>
+    </dgm:fillClrLst>
+    <dgm:linClrLst meth="repeat">
+      <a:schemeClr val="accent2"/>
+      <a:schemeClr val="accent3"/>
+      <a:schemeClr val="accent4"/>
+      <a:schemeClr val="accent5"/>
+      <a:schemeClr val="accent6"/>
+    </dgm:linClrLst>
+    <dgm:effectClrLst/>
+    <dgm:txLinClrLst/>
+    <dgm:txFillClrLst meth="repeat">
+      <a:schemeClr val="dk1"/>
+    </dgm:txFillClrLst>
+    <dgm:txEffectClrLst/>
+  </dgm:styleLbl>
+  <dgm:styleLbl name="solidBgAcc1">
+    <dgm:fillClrLst meth="repeat">
+      <a:schemeClr val="lt1"/>
+    </dgm:fillClrLst>
+    <dgm:linClrLst meth="repeat">
+      <a:schemeClr val="accent2"/>
+      <a:schemeClr val="accent3"/>
+      <a:schemeClr val="accent4"/>
+      <a:schemeClr val="accent5"/>
+      <a:schemeClr val="accent6"/>
+    </dgm:linClrLst>
+    <dgm:effectClrLst/>
+    <dgm:txLinClrLst/>
+    <dgm:txFillClrLst meth="repeat">
+      <a:schemeClr val="dk1"/>
+    </dgm:txFillClrLst>
+    <dgm:txEffectClrLst/>
+  </dgm:styleLbl>
+  <dgm:styleLbl name="fgAccFollowNode1">
+    <dgm:fillClrLst meth="repeat">
+      <a:schemeClr val="accent2">
+        <a:tint val="40000"/>
+        <a:alpha val="90000"/>
+      </a:schemeClr>
+      <a:schemeClr val="accent3">
+        <a:tint val="40000"/>
+        <a:alpha val="90000"/>
+      </a:schemeClr>
+      <a:schemeClr val="accent4">
+        <a:tint val="40000"/>
+        <a:alpha val="90000"/>
+      </a:schemeClr>
+      <a:schemeClr val="accent5">
+        <a:tint val="40000"/>
+        <a:alpha val="90000"/>
+      </a:schemeClr>
+      <a:schemeClr val="accent6">
+        <a:tint val="40000"/>
+        <a:alpha val="90000"/>
+      </a:schemeClr>
+    </dgm:fillClrLst>
+    <dgm:linClrLst meth="repeat">
+      <a:schemeClr val="accent2">
+        <a:tint val="40000"/>
+        <a:alpha val="90000"/>
+      </a:schemeClr>
+      <a:schemeClr val="accent3">
+        <a:tint val="40000"/>
+        <a:alpha val="90000"/>
+      </a:schemeClr>
+      <a:schemeClr val="accent4">
+        <a:tint val="40000"/>
+        <a:alpha val="90000"/>
+      </a:schemeClr>
+      <a:schemeClr val="accent5">
+        <a:tint val="40000"/>
+        <a:alpha val="90000"/>
+      </a:schemeClr>
+      <a:schemeClr val="accent6">
+        <a:tint val="40000"/>
+        <a:alpha val="90000"/>
+      </a:schemeClr>
+    </dgm:linClrLst>
+    <dgm:effectClrLst/>
+    <dgm:txLinClrLst/>
+    <dgm:txFillClrLst meth="repeat">
+      <a:schemeClr val="dk1"/>
+    </dgm:txFillClrLst>
+    <dgm:txEffectClrLst/>
+  </dgm:styleLbl>
+  <dgm:styleLbl name="alignAccFollowNode1">
+    <dgm:fillClrLst meth="repeat">
+      <a:schemeClr val="accent2">
+        <a:tint val="40000"/>
+        <a:alpha val="90000"/>
+      </a:schemeClr>
+      <a:schemeClr val="accent3">
+        <a:tint val="40000"/>
+        <a:alpha val="90000"/>
+      </a:schemeClr>
+      <a:schemeClr val="accent4">
+        <a:tint val="40000"/>
+        <a:alpha val="90000"/>
+      </a:schemeClr>
+      <a:schemeClr val="accent5">
+        <a:tint val="40000"/>
+        <a:alpha val="90000"/>
+      </a:schemeClr>
+      <a:schemeClr val="accent6">
+        <a:tint val="40000"/>
+        <a:alpha val="90000"/>
+      </a:schemeClr>
+    </dgm:fillClrLst>
+    <dgm:linClrLst meth="repeat">
+      <a:schemeClr val="accent2">
+        <a:tint val="40000"/>
+        <a:alpha val="90000"/>
+      </a:schemeClr>
+      <a:schemeClr val="accent3">
+        <a:tint val="40000"/>
+        <a:alpha val="90000"/>
+      </a:schemeClr>
+      <a:schemeClr val="accent4">
+        <a:tint val="40000"/>
+        <a:alpha val="90000"/>
+      </a:schemeClr>
+      <a:schemeClr val="accent5">
+        <a:tint val="40000"/>
+        <a:alpha val="90000"/>
+      </a:schemeClr>
+      <a:schemeClr val="accent6">
+        <a:tint val="40000"/>
+        <a:alpha val="90000"/>
+      </a:schemeClr>
+    </dgm:linClrLst>
+    <dgm:effectClrLst/>
+    <dgm:txLinClrLst/>
+    <dgm:txFillClrLst meth="repeat">
+      <a:schemeClr val="dk1"/>
+    </dgm:txFillClrLst>
+    <dgm:txEffectClrLst/>
+  </dgm:styleLbl>
+  <dgm:styleLbl name="bgAccFollowNode1">
+    <dgm:fillClrLst meth="repeat">
+      <a:schemeClr val="accent2">
+        <a:tint val="40000"/>
+        <a:alpha val="90000"/>
+      </a:schemeClr>
+      <a:schemeClr val="accent3">
+        <a:tint val="40000"/>
+        <a:alpha val="90000"/>
+      </a:schemeClr>
+      <a:schemeClr val="accent4">
+        <a:tint val="40000"/>
+        <a:alpha val="90000"/>
+      </a:schemeClr>
+      <a:schemeClr val="accent5">
+        <a:tint val="40000"/>
+        <a:alpha val="90000"/>
+      </a:schemeClr>
+      <a:schemeClr val="accent6">
+        <a:tint val="40000"/>
+        <a:alpha val="90000"/>
+      </a:schemeClr>
+    </dgm:fillClrLst>
+    <dgm:linClrLst meth="repeat">
+      <a:schemeClr val="accent2">
+        <a:tint val="40000"/>
+        <a:alpha val="90000"/>
+      </a:schemeClr>
+      <a:schemeClr val="accent3">
+        <a:tint val="40000"/>
+        <a:alpha val="90000"/>
+      </a:schemeClr>
+      <a:schemeClr val="accent4">
+        <a:tint val="40000"/>
+        <a:alpha val="90000"/>
+      </a:schemeClr>
+      <a:schemeClr val="accent5">
+        <a:tint val="40000"/>
+        <a:alpha val="90000"/>
+      </a:schemeClr>
+      <a:schemeClr val="accent6">
+        <a:tint val="40000"/>
+        <a:alpha val="90000"/>
+      </a:schemeClr>
+    </dgm:linClrLst>
+    <dgm:effectClrLst/>
+    <dgm:txLinClrLst/>
+    <dgm:txFillClrLst meth="repeat">
+      <a:schemeClr val="dk1"/>
+    </dgm:txFillClrLst>
+    <dgm:txEffectClrLst/>
+  </dgm:styleLbl>
+  <dgm:styleLbl name="fgAcc0">
+    <dgm:fillClrLst meth="repeat">
+      <a:schemeClr val="lt1">
+        <a:alpha val="90000"/>
+      </a:schemeClr>
+    </dgm:fillClrLst>
+    <dgm:linClrLst>
+      <a:schemeClr val="accent1"/>
+    </dgm:linClrLst>
+    <dgm:effectClrLst/>
+    <dgm:txLinClrLst/>
+    <dgm:txFillClrLst meth="repeat">
+      <a:schemeClr val="dk1"/>
+    </dgm:txFillClrLst>
+    <dgm:txEffectClrLst/>
+  </dgm:styleLbl>
+  <dgm:styleLbl name="fgAcc2">
+    <dgm:fillClrLst meth="repeat">
+      <a:schemeClr val="lt1">
+        <a:alpha val="90000"/>
+      </a:schemeClr>
+    </dgm:fillClrLst>
+    <dgm:linClrLst>
+      <a:schemeClr val="accent2"/>
+    </dgm:linClrLst>
+    <dgm:effectClrLst/>
+    <dgm:txLinClrLst/>
+    <dgm:txFillClrLst meth="repeat">
+      <a:schemeClr val="dk1"/>
+    </dgm:txFillClrLst>
+    <dgm:txEffectClrLst/>
+  </dgm:styleLbl>
+  <dgm:styleLbl name="fgAcc3">
+    <dgm:fillClrLst meth="repeat">
+      <a:schemeClr val="lt1">
+        <a:alpha val="90000"/>
+      </a:schemeClr>
+    </dgm:fillClrLst>
+    <dgm:linClrLst>
+      <a:schemeClr val="accent3"/>
+    </dgm:linClrLst>
+    <dgm:effectClrLst/>
+    <dgm:txLinClrLst/>
+    <dgm:txFillClrLst meth="repeat">
+      <a:schemeClr val="dk1"/>
+    </dgm:txFillClrLst>
+    <dgm:txEffectClrLst/>
+  </dgm:styleLbl>
+  <dgm:styleLbl name="fgAcc4">
+    <dgm:fillClrLst meth="repeat">
+      <a:schemeClr val="lt1">
+        <a:alpha val="90000"/>
+      </a:schemeClr>
+    </dgm:fillClrLst>
+    <dgm:linClrLst>
+      <a:schemeClr val="accent4"/>
+    </dgm:linClrLst>
+    <dgm:effectClrLst/>
+    <dgm:txLinClrLst/>
+    <dgm:txFillClrLst meth="repeat">
+      <a:schemeClr val="dk1"/>
+    </dgm:txFillClrLst>
+    <dgm:txEffectClrLst/>
+  </dgm:styleLbl>
+  <dgm:styleLbl name="bgShp">
+    <dgm:fillClrLst meth="repeat">
+      <a:schemeClr val="accent2">
+        <a:tint val="40000"/>
+      </a:schemeClr>
+    </dgm:fillClrLst>
+    <dgm:linClrLst meth="repeat">
+      <a:schemeClr val="dk1"/>
+    </dgm:linClrLst>
+    <dgm:effectClrLst/>
+    <dgm:txLinClrLst/>
+    <dgm:txFillClrLst meth="repeat">
+      <a:schemeClr val="dk1"/>
+    </dgm:txFillClrLst>
+    <dgm:txEffectClrLst/>
+  </dgm:styleLbl>
+  <dgm:styleLbl name="dkBgShp">
+    <dgm:fillClrLst meth="repeat">
+      <a:schemeClr val="accent2">
+        <a:shade val="90000"/>
+      </a:schemeClr>
+    </dgm:fillClrLst>
+    <dgm:linClrLst meth="repeat">
+      <a:schemeClr val="dk1"/>
+    </dgm:linClrLst>
+    <dgm:effectClrLst/>
+    <dgm:txLinClrLst/>
+    <dgm:txFillClrLst meth="repeat">
+      <a:schemeClr val="lt1"/>
+    </dgm:txFillClrLst>
+    <dgm:txEffectClrLst/>
+  </dgm:styleLbl>
+  <dgm:styleLbl name="trBgShp">
+    <dgm:fillClrLst meth="repeat">
+      <a:schemeClr val="accent1">
+        <a:tint val="50000"/>
+        <a:alpha val="40000"/>
+      </a:schemeClr>
+    </dgm:fillClrLst>
+    <dgm:linClrLst meth="repeat">
+      <a:schemeClr val="accent2"/>
+    </dgm:linClrLst>
+    <dgm:effectClrLst/>
+    <dgm:txLinClrLst/>
+    <dgm:txFillClrLst meth="repeat">
+      <a:schemeClr val="lt1"/>
+    </dgm:txFillClrLst>
+    <dgm:txEffectClrLst/>
+  </dgm:styleLbl>
+  <dgm:styleLbl name="fgShp">
+    <dgm:fillClrLst meth="repeat">
+      <a:schemeClr val="accent2">
+        <a:tint val="40000"/>
+      </a:schemeClr>
+    </dgm:fillClrLst>
+    <dgm:linClrLst meth="repeat">
+      <a:schemeClr val="lt1"/>
+    </dgm:linClrLst>
+    <dgm:effectClrLst/>
+    <dgm:txLinClrLst/>
+    <dgm:txFillClrLst meth="repeat">
+      <a:schemeClr val="dk1"/>
+    </dgm:txFillClrLst>
+    <dgm:txEffectClrLst/>
+  </dgm:styleLbl>
+  <dgm:styleLbl name="revTx">
+    <dgm:fillClrLst meth="repeat">
+      <a:schemeClr val="lt1">
+        <a:alpha val="0"/>
+      </a:schemeClr>
+    </dgm:fillClrLst>
+    <dgm:linClrLst meth="repeat">
+      <a:schemeClr val="dk1">
+        <a:alpha val="0"/>
+      </a:schemeClr>
+    </dgm:linClrLst>
+    <dgm:effectClrLst/>
+    <dgm:txLinClrLst/>
+    <dgm:txFillClrLst meth="repeat">
+      <a:schemeClr val="tx1"/>
+    </dgm:txFillClrLst>
+    <dgm:txEffectClrLst/>
+  </dgm:styleLbl>
+</dgm:colorsDef>
+</file>
+
+<file path=ppt/diagrams/colors11.xml><?xml version="1.0" encoding="utf-8"?>
 <dgm:colorsDef xmlns:dgm="http://schemas.openxmlformats.org/drawingml/2006/diagram" xmlns:a="http://schemas.openxmlformats.org/drawingml/2006/main" uniqueId="urn:microsoft.com/office/officeart/2005/8/colors/colorful1">
   <dgm:title val=""/>
   <dgm:desc val=""/>
@@ -9658,6 +10578,42 @@
         </a:p>
       </dgm:t>
     </dgm:pt>
+    <dgm:pt modelId="{F6410D47-37B3-4836-90FD-65C888B36373}">
+      <dgm:prSet/>
+      <dgm:spPr/>
+      <dgm:t>
+        <a:bodyPr/>
+        <a:lstStyle/>
+        <a:p>
+          <a:r>
+            <a:rPr lang="es-CL" dirty="0"/>
+            <a:t>Volúmenes diarios mercado nacional mayorista</a:t>
+          </a:r>
+        </a:p>
+      </dgm:t>
+    </dgm:pt>
+    <dgm:pt modelId="{6BFBE46B-6451-4631-9140-66FAB4349AB8}" type="parTrans" cxnId="{04333DF2-9B13-4D12-921E-C57855F55C93}">
+      <dgm:prSet/>
+      <dgm:spPr/>
+      <dgm:t>
+        <a:bodyPr/>
+        <a:lstStyle/>
+        <a:p>
+          <a:endParaRPr lang="es-CL"/>
+        </a:p>
+      </dgm:t>
+    </dgm:pt>
+    <dgm:pt modelId="{C6589D72-42E5-4828-8F11-9458E0B66BD2}" type="sibTrans" cxnId="{04333DF2-9B13-4D12-921E-C57855F55C93}">
+      <dgm:prSet/>
+      <dgm:spPr/>
+      <dgm:t>
+        <a:bodyPr/>
+        <a:lstStyle/>
+        <a:p>
+          <a:endParaRPr lang="es-CL"/>
+        </a:p>
+      </dgm:t>
+    </dgm:pt>
     <dgm:pt modelId="{9AB1F077-58A6-4DCD-9AEA-D9C1CE2ABBA6}" type="pres">
       <dgm:prSet presAssocID="{C2B0BC53-E054-4CCB-9171-C86720FC59DF}" presName="linear" presStyleCnt="0">
         <dgm:presLayoutVars>
@@ -9668,7 +10624,7 @@
       <dgm:spPr/>
     </dgm:pt>
     <dgm:pt modelId="{48DA24C1-CF9D-4021-9601-7D1D81E17BB0}" type="pres">
-      <dgm:prSet presAssocID="{663C46B4-A275-4A20-9F93-062A0A38263F}" presName="parentText" presStyleLbl="node1" presStyleIdx="0" presStyleCnt="9">
+      <dgm:prSet presAssocID="{663C46B4-A275-4A20-9F93-062A0A38263F}" presName="parentText" presStyleLbl="node1" presStyleIdx="0" presStyleCnt="10">
         <dgm:presLayoutVars>
           <dgm:chMax val="0"/>
           <dgm:bulletEnabled val="1"/>
@@ -9681,7 +10637,7 @@
       <dgm:spPr/>
     </dgm:pt>
     <dgm:pt modelId="{1947DB31-7668-45E2-B5FA-FBB7BCD4C590}" type="pres">
-      <dgm:prSet presAssocID="{8E01CE8C-3AC0-4851-B335-89F7E4079F6E}" presName="parentText" presStyleLbl="node1" presStyleIdx="1" presStyleCnt="9">
+      <dgm:prSet presAssocID="{8E01CE8C-3AC0-4851-B335-89F7E4079F6E}" presName="parentText" presStyleLbl="node1" presStyleIdx="1" presStyleCnt="10">
         <dgm:presLayoutVars>
           <dgm:chMax val="0"/>
           <dgm:bulletEnabled val="1"/>
@@ -9694,7 +10650,7 @@
       <dgm:spPr/>
     </dgm:pt>
     <dgm:pt modelId="{FB224E43-065E-4276-983A-F93683024FA4}" type="pres">
-      <dgm:prSet presAssocID="{801A6CBD-0D7B-4B62-9354-DDE4A065FFC3}" presName="parentText" presStyleLbl="node1" presStyleIdx="2" presStyleCnt="9">
+      <dgm:prSet presAssocID="{801A6CBD-0D7B-4B62-9354-DDE4A065FFC3}" presName="parentText" presStyleLbl="node1" presStyleIdx="2" presStyleCnt="10">
         <dgm:presLayoutVars>
           <dgm:chMax val="0"/>
           <dgm:bulletEnabled val="1"/>
@@ -9707,7 +10663,7 @@
       <dgm:spPr/>
     </dgm:pt>
     <dgm:pt modelId="{3EDD7C56-37EE-47FF-9426-C94BD17FE34C}" type="pres">
-      <dgm:prSet presAssocID="{6E578A6D-D786-4451-A2D7-BCFD36C6A835}" presName="parentText" presStyleLbl="node1" presStyleIdx="3" presStyleCnt="9">
+      <dgm:prSet presAssocID="{6E578A6D-D786-4451-A2D7-BCFD36C6A835}" presName="parentText" presStyleLbl="node1" presStyleIdx="3" presStyleCnt="10">
         <dgm:presLayoutVars>
           <dgm:chMax val="0"/>
           <dgm:bulletEnabled val="1"/>
@@ -9720,7 +10676,7 @@
       <dgm:spPr/>
     </dgm:pt>
     <dgm:pt modelId="{9B6AE6F2-027C-43FB-BB68-D62AF6833B58}" type="pres">
-      <dgm:prSet presAssocID="{B5348D54-E1B0-4C06-B64C-1EF466EF69AD}" presName="parentText" presStyleLbl="node1" presStyleIdx="4" presStyleCnt="9">
+      <dgm:prSet presAssocID="{B5348D54-E1B0-4C06-B64C-1EF466EF69AD}" presName="parentText" presStyleLbl="node1" presStyleIdx="4" presStyleCnt="10">
         <dgm:presLayoutVars>
           <dgm:chMax val="0"/>
           <dgm:bulletEnabled val="1"/>
@@ -9733,7 +10689,7 @@
       <dgm:spPr/>
     </dgm:pt>
     <dgm:pt modelId="{8B0B02B2-29C6-4ED2-850E-BFF26B8C2406}" type="pres">
-      <dgm:prSet presAssocID="{7B3CEDDA-B2D5-4677-B413-CC19F4FBF7F9}" presName="parentText" presStyleLbl="node1" presStyleIdx="5" presStyleCnt="9">
+      <dgm:prSet presAssocID="{7B3CEDDA-B2D5-4677-B413-CC19F4FBF7F9}" presName="parentText" presStyleLbl="node1" presStyleIdx="5" presStyleCnt="10">
         <dgm:presLayoutVars>
           <dgm:chMax val="0"/>
           <dgm:bulletEnabled val="1"/>
@@ -9746,7 +10702,7 @@
       <dgm:spPr/>
     </dgm:pt>
     <dgm:pt modelId="{8459AB4D-2E6F-4C99-8C32-A4F3E944AD2B}" type="pres">
-      <dgm:prSet presAssocID="{F2C914AC-4486-4716-8BAF-C026C9042C44}" presName="parentText" presStyleLbl="node1" presStyleIdx="6" presStyleCnt="9">
+      <dgm:prSet presAssocID="{F2C914AC-4486-4716-8BAF-C026C9042C44}" presName="parentText" presStyleLbl="node1" presStyleIdx="6" presStyleCnt="10">
         <dgm:presLayoutVars>
           <dgm:chMax val="0"/>
           <dgm:bulletEnabled val="1"/>
@@ -9758,8 +10714,21 @@
       <dgm:prSet presAssocID="{FAA63A13-FE80-4BA9-99CB-6C4C857BD98E}" presName="spacer" presStyleCnt="0"/>
       <dgm:spPr/>
     </dgm:pt>
+    <dgm:pt modelId="{C01C6D18-5E1B-4CF8-A4F0-4C33025FBC7E}" type="pres">
+      <dgm:prSet presAssocID="{F6410D47-37B3-4836-90FD-65C888B36373}" presName="parentText" presStyleLbl="node1" presStyleIdx="7" presStyleCnt="10">
+        <dgm:presLayoutVars>
+          <dgm:chMax val="0"/>
+          <dgm:bulletEnabled val="1"/>
+        </dgm:presLayoutVars>
+      </dgm:prSet>
+      <dgm:spPr/>
+    </dgm:pt>
+    <dgm:pt modelId="{D89583AA-0B7F-4B94-8E3A-C434045AD0FF}" type="pres">
+      <dgm:prSet presAssocID="{C6589D72-42E5-4828-8F11-9458E0B66BD2}" presName="spacer" presStyleCnt="0"/>
+      <dgm:spPr/>
+    </dgm:pt>
     <dgm:pt modelId="{B631EDAC-EC02-456D-A9E6-E608D96F15DD}" type="pres">
-      <dgm:prSet presAssocID="{DD7F3FDF-E3C6-46FD-A5D5-AC5B226150ED}" presName="parentText" presStyleLbl="node1" presStyleIdx="7" presStyleCnt="9">
+      <dgm:prSet presAssocID="{DD7F3FDF-E3C6-46FD-A5D5-AC5B226150ED}" presName="parentText" presStyleLbl="node1" presStyleIdx="8" presStyleCnt="10">
         <dgm:presLayoutVars>
           <dgm:chMax val="0"/>
           <dgm:bulletEnabled val="1"/>
@@ -9772,7 +10741,7 @@
       <dgm:spPr/>
     </dgm:pt>
     <dgm:pt modelId="{110AB71C-3DA3-438F-9D52-06FEEED799BE}" type="pres">
-      <dgm:prSet presAssocID="{5F48CA1F-0590-41D4-A180-62B195AB3942}" presName="parentText" presStyleLbl="node1" presStyleIdx="8" presStyleCnt="9">
+      <dgm:prSet presAssocID="{5F48CA1F-0590-41D4-A180-62B195AB3942}" presName="parentText" presStyleLbl="node1" presStyleIdx="9" presStyleCnt="10">
         <dgm:presLayoutVars>
           <dgm:chMax val="0"/>
           <dgm:bulletEnabled val="1"/>
@@ -9783,7 +10752,7 @@
   </dgm:ptLst>
   <dgm:cxnLst>
     <dgm:cxn modelId="{0709D601-8814-4CE2-B410-7164C83EA517}" type="presOf" srcId="{F2C914AC-4486-4716-8BAF-C026C9042C44}" destId="{8459AB4D-2E6F-4C99-8C32-A4F3E944AD2B}" srcOrd="0" destOrd="0" presId="urn:microsoft.com/office/officeart/2005/8/layout/vList2"/>
-    <dgm:cxn modelId="{E46D4B06-3185-49C7-9B5B-508903A43163}" srcId="{C2B0BC53-E054-4CCB-9171-C86720FC59DF}" destId="{DD7F3FDF-E3C6-46FD-A5D5-AC5B226150ED}" srcOrd="7" destOrd="0" parTransId="{4B51D664-04B9-423A-8F7A-8891AC8B71C5}" sibTransId="{50F2FB91-A9F4-4974-BDD0-A4CB97211292}"/>
+    <dgm:cxn modelId="{E46D4B06-3185-49C7-9B5B-508903A43163}" srcId="{C2B0BC53-E054-4CCB-9171-C86720FC59DF}" destId="{DD7F3FDF-E3C6-46FD-A5D5-AC5B226150ED}" srcOrd="8" destOrd="0" parTransId="{4B51D664-04B9-423A-8F7A-8891AC8B71C5}" sibTransId="{50F2FB91-A9F4-4974-BDD0-A4CB97211292}"/>
     <dgm:cxn modelId="{45281414-6031-476A-B763-AB730EC11EF7}" srcId="{C2B0BC53-E054-4CCB-9171-C86720FC59DF}" destId="{B5348D54-E1B0-4C06-B64C-1EF466EF69AD}" srcOrd="4" destOrd="0" parTransId="{6EBE1A1E-5AC9-4D7D-8BEB-EAD9713BBDAC}" sibTransId="{8FDD599B-3938-45DB-AADF-D7EBD5655DC0}"/>
     <dgm:cxn modelId="{E2DDAA2D-4C5F-4A68-9CAE-4706A8C9DE79}" srcId="{C2B0BC53-E054-4CCB-9171-C86720FC59DF}" destId="{6E578A6D-D786-4451-A2D7-BCFD36C6A835}" srcOrd="3" destOrd="0" parTransId="{7C0E75F1-B3E9-4FE3-95BB-9064DB7DF58C}" sibTransId="{7CD1F8C2-AC95-4D7C-B027-1995E8E6A952}"/>
     <dgm:cxn modelId="{21006139-5317-43A9-A530-C2EE6F3E2BAA}" srcId="{C2B0BC53-E054-4CCB-9171-C86720FC59DF}" destId="{663C46B4-A275-4A20-9F93-062A0A38263F}" srcOrd="0" destOrd="0" parTransId="{79596D9F-49DF-47D1-903B-ECA6680456A8}" sibTransId="{C19F8939-12D6-4D80-B492-D0E8E4B59489}"/>
@@ -9793,14 +10762,16 @@
     <dgm:cxn modelId="{DF3F6472-A3A4-4761-B040-7CC1BE3DF0D0}" type="presOf" srcId="{801A6CBD-0D7B-4B62-9354-DDE4A065FFC3}" destId="{FB224E43-065E-4276-983A-F93683024FA4}" srcOrd="0" destOrd="0" presId="urn:microsoft.com/office/officeart/2005/8/layout/vList2"/>
     <dgm:cxn modelId="{F13F147C-8DC7-46AC-BFC9-FAFE3C27DC5F}" type="presOf" srcId="{5F48CA1F-0590-41D4-A180-62B195AB3942}" destId="{110AB71C-3DA3-438F-9D52-06FEEED799BE}" srcOrd="0" destOrd="0" presId="urn:microsoft.com/office/officeart/2005/8/layout/vList2"/>
     <dgm:cxn modelId="{52C23F81-39EB-48AB-BE01-5F5F383B63F7}" type="presOf" srcId="{6E578A6D-D786-4451-A2D7-BCFD36C6A835}" destId="{3EDD7C56-37EE-47FF-9426-C94BD17FE34C}" srcOrd="0" destOrd="0" presId="urn:microsoft.com/office/officeart/2005/8/layout/vList2"/>
+    <dgm:cxn modelId="{B0885E84-5707-4E05-A068-9DE9AA3D8BB8}" type="presOf" srcId="{F6410D47-37B3-4836-90FD-65C888B36373}" destId="{C01C6D18-5E1B-4CF8-A4F0-4C33025FBC7E}" srcOrd="0" destOrd="0" presId="urn:microsoft.com/office/officeart/2005/8/layout/vList2"/>
     <dgm:cxn modelId="{0F5E1D94-0A37-4C3A-B676-AE2310AC55AE}" type="presOf" srcId="{C2B0BC53-E054-4CCB-9171-C86720FC59DF}" destId="{9AB1F077-58A6-4DCD-9AEA-D9C1CE2ABBA6}" srcOrd="0" destOrd="0" presId="urn:microsoft.com/office/officeart/2005/8/layout/vList2"/>
     <dgm:cxn modelId="{4A484A97-20C7-4F9A-8C2A-21E1001F2806}" type="presOf" srcId="{DD7F3FDF-E3C6-46FD-A5D5-AC5B226150ED}" destId="{B631EDAC-EC02-456D-A9E6-E608D96F15DD}" srcOrd="0" destOrd="0" presId="urn:microsoft.com/office/officeart/2005/8/layout/vList2"/>
     <dgm:cxn modelId="{47A8509B-92DB-4BD0-B214-33EB31912BAC}" type="presOf" srcId="{7B3CEDDA-B2D5-4677-B413-CC19F4FBF7F9}" destId="{8B0B02B2-29C6-4ED2-850E-BFF26B8C2406}" srcOrd="0" destOrd="0" presId="urn:microsoft.com/office/officeart/2005/8/layout/vList2"/>
     <dgm:cxn modelId="{49DD2C9D-6A2C-4284-847B-E1F496B580FF}" srcId="{C2B0BC53-E054-4CCB-9171-C86720FC59DF}" destId="{801A6CBD-0D7B-4B62-9354-DDE4A065FFC3}" srcOrd="2" destOrd="0" parTransId="{A7755361-DA67-48C1-AEA0-CC91DF98EF0C}" sibTransId="{87431CE8-3716-4B68-9674-E9204777D33F}"/>
     <dgm:cxn modelId="{E15FDEBB-AA30-4624-A647-3EE869D0B2C4}" srcId="{C2B0BC53-E054-4CCB-9171-C86720FC59DF}" destId="{8E01CE8C-3AC0-4851-B335-89F7E4079F6E}" srcOrd="1" destOrd="0" parTransId="{3AE9990B-0950-4A50-A722-041AC2115633}" sibTransId="{97DF087E-F62F-4C1D-BA8A-B3823D2A606B}"/>
-    <dgm:cxn modelId="{69838FC3-AC69-4D77-855D-29FFC85E3608}" srcId="{C2B0BC53-E054-4CCB-9171-C86720FC59DF}" destId="{5F48CA1F-0590-41D4-A180-62B195AB3942}" srcOrd="8" destOrd="0" parTransId="{3F2572DC-F90B-4316-A049-BACCFE2ACDD9}" sibTransId="{B336945D-101C-4F3F-B73C-0573CEF5EA1E}"/>
+    <dgm:cxn modelId="{69838FC3-AC69-4D77-855D-29FFC85E3608}" srcId="{C2B0BC53-E054-4CCB-9171-C86720FC59DF}" destId="{5F48CA1F-0590-41D4-A180-62B195AB3942}" srcOrd="9" destOrd="0" parTransId="{3F2572DC-F90B-4316-A049-BACCFE2ACDD9}" sibTransId="{B336945D-101C-4F3F-B73C-0573CEF5EA1E}"/>
     <dgm:cxn modelId="{6C21A1D6-2C50-4D7D-9722-645644D400BA}" type="presOf" srcId="{B5348D54-E1B0-4C06-B64C-1EF466EF69AD}" destId="{9B6AE6F2-027C-43FB-BB68-D62AF6833B58}" srcOrd="0" destOrd="0" presId="urn:microsoft.com/office/officeart/2005/8/layout/vList2"/>
     <dgm:cxn modelId="{35E156E6-C669-4F97-8C85-28C995147C42}" srcId="{C2B0BC53-E054-4CCB-9171-C86720FC59DF}" destId="{F2C914AC-4486-4716-8BAF-C026C9042C44}" srcOrd="6" destOrd="0" parTransId="{34BC77F9-698D-4722-AE24-5C9C515E210D}" sibTransId="{FAA63A13-FE80-4BA9-99CB-6C4C857BD98E}"/>
+    <dgm:cxn modelId="{04333DF2-9B13-4D12-921E-C57855F55C93}" srcId="{C2B0BC53-E054-4CCB-9171-C86720FC59DF}" destId="{F6410D47-37B3-4836-90FD-65C888B36373}" srcOrd="7" destOrd="0" parTransId="{6BFBE46B-6451-4631-9140-66FAB4349AB8}" sibTransId="{C6589D72-42E5-4828-8F11-9458E0B66BD2}"/>
     <dgm:cxn modelId="{EE361711-5DEE-4EC8-BF3A-B8A721457083}" type="presParOf" srcId="{9AB1F077-58A6-4DCD-9AEA-D9C1CE2ABBA6}" destId="{48DA24C1-CF9D-4021-9601-7D1D81E17BB0}" srcOrd="0" destOrd="0" presId="urn:microsoft.com/office/officeart/2005/8/layout/vList2"/>
     <dgm:cxn modelId="{CDCBE9FC-6028-4CB5-97BD-30B63B7BFC7E}" type="presParOf" srcId="{9AB1F077-58A6-4DCD-9AEA-D9C1CE2ABBA6}" destId="{E018A185-8D96-49FB-A911-81ABE3C7BF0B}" srcOrd="1" destOrd="0" presId="urn:microsoft.com/office/officeart/2005/8/layout/vList2"/>
     <dgm:cxn modelId="{586EF117-424C-4FFD-9380-F7FFBEECC6DF}" type="presParOf" srcId="{9AB1F077-58A6-4DCD-9AEA-D9C1CE2ABBA6}" destId="{1947DB31-7668-45E2-B5FA-FBB7BCD4C590}" srcOrd="2" destOrd="0" presId="urn:microsoft.com/office/officeart/2005/8/layout/vList2"/>
@@ -9815,9 +10786,11 @@
     <dgm:cxn modelId="{B3E0996B-451E-44E8-909D-197F9FCF7778}" type="presParOf" srcId="{9AB1F077-58A6-4DCD-9AEA-D9C1CE2ABBA6}" destId="{AFE86762-87F0-47F3-93DE-971313B9392B}" srcOrd="11" destOrd="0" presId="urn:microsoft.com/office/officeart/2005/8/layout/vList2"/>
     <dgm:cxn modelId="{CB76B611-85F1-49CA-8C39-67E321C9EB06}" type="presParOf" srcId="{9AB1F077-58A6-4DCD-9AEA-D9C1CE2ABBA6}" destId="{8459AB4D-2E6F-4C99-8C32-A4F3E944AD2B}" srcOrd="12" destOrd="0" presId="urn:microsoft.com/office/officeart/2005/8/layout/vList2"/>
     <dgm:cxn modelId="{36E9F2E6-8C9D-4549-B81E-5A7AF50B590A}" type="presParOf" srcId="{9AB1F077-58A6-4DCD-9AEA-D9C1CE2ABBA6}" destId="{A5B8D8EF-214D-4A8F-AD12-A429B575374A}" srcOrd="13" destOrd="0" presId="urn:microsoft.com/office/officeart/2005/8/layout/vList2"/>
-    <dgm:cxn modelId="{78EEDF20-97A2-4F70-9E71-72D654D3B5E9}" type="presParOf" srcId="{9AB1F077-58A6-4DCD-9AEA-D9C1CE2ABBA6}" destId="{B631EDAC-EC02-456D-A9E6-E608D96F15DD}" srcOrd="14" destOrd="0" presId="urn:microsoft.com/office/officeart/2005/8/layout/vList2"/>
-    <dgm:cxn modelId="{E3A20AF8-58EA-4841-9386-F43E564CF053}" type="presParOf" srcId="{9AB1F077-58A6-4DCD-9AEA-D9C1CE2ABBA6}" destId="{1CB33C37-360D-4CCA-8E55-0CB62E1F5B5A}" srcOrd="15" destOrd="0" presId="urn:microsoft.com/office/officeart/2005/8/layout/vList2"/>
-    <dgm:cxn modelId="{F23C87D0-6FDE-4DE1-911E-43D3803A5CA2}" type="presParOf" srcId="{9AB1F077-58A6-4DCD-9AEA-D9C1CE2ABBA6}" destId="{110AB71C-3DA3-438F-9D52-06FEEED799BE}" srcOrd="16" destOrd="0" presId="urn:microsoft.com/office/officeart/2005/8/layout/vList2"/>
+    <dgm:cxn modelId="{47F6C3A0-474D-44E0-9224-33DBE039823A}" type="presParOf" srcId="{9AB1F077-58A6-4DCD-9AEA-D9C1CE2ABBA6}" destId="{C01C6D18-5E1B-4CF8-A4F0-4C33025FBC7E}" srcOrd="14" destOrd="0" presId="urn:microsoft.com/office/officeart/2005/8/layout/vList2"/>
+    <dgm:cxn modelId="{3D7A59BA-7629-4AE8-B8B2-C92319D5006C}" type="presParOf" srcId="{9AB1F077-58A6-4DCD-9AEA-D9C1CE2ABBA6}" destId="{D89583AA-0B7F-4B94-8E3A-C434045AD0FF}" srcOrd="15" destOrd="0" presId="urn:microsoft.com/office/officeart/2005/8/layout/vList2"/>
+    <dgm:cxn modelId="{78EEDF20-97A2-4F70-9E71-72D654D3B5E9}" type="presParOf" srcId="{9AB1F077-58A6-4DCD-9AEA-D9C1CE2ABBA6}" destId="{B631EDAC-EC02-456D-A9E6-E608D96F15DD}" srcOrd="16" destOrd="0" presId="urn:microsoft.com/office/officeart/2005/8/layout/vList2"/>
+    <dgm:cxn modelId="{E3A20AF8-58EA-4841-9386-F43E564CF053}" type="presParOf" srcId="{9AB1F077-58A6-4DCD-9AEA-D9C1CE2ABBA6}" destId="{1CB33C37-360D-4CCA-8E55-0CB62E1F5B5A}" srcOrd="17" destOrd="0" presId="urn:microsoft.com/office/officeart/2005/8/layout/vList2"/>
+    <dgm:cxn modelId="{F23C87D0-6FDE-4DE1-911E-43D3803A5CA2}" type="presParOf" srcId="{9AB1F077-58A6-4DCD-9AEA-D9C1CE2ABBA6}" destId="{110AB71C-3DA3-438F-9D52-06FEEED799BE}" srcOrd="18" destOrd="0" presId="urn:microsoft.com/office/officeart/2005/8/layout/vList2"/>
   </dgm:cxnLst>
   <dgm:bg/>
   <dgm:whole/>
@@ -9830,6 +10803,95 @@
 </file>
 
 <file path=ppt/diagrams/data10.xml><?xml version="1.0" encoding="utf-8"?>
+<dgm:dataModel xmlns:dgm="http://schemas.openxmlformats.org/drawingml/2006/diagram" xmlns:a="http://schemas.openxmlformats.org/drawingml/2006/main">
+  <dgm:ptLst>
+    <dgm:pt modelId="{C2B0BC53-E054-4CCB-9171-C86720FC59DF}" type="doc">
+      <dgm:prSet loTypeId="urn:microsoft.com/office/officeart/2005/8/layout/vList2" loCatId="list" qsTypeId="urn:microsoft.com/office/officeart/2005/8/quickstyle/simple5" qsCatId="simple" csTypeId="urn:microsoft.com/office/officeart/2005/8/colors/colorful1" csCatId="colorful" phldr="1"/>
+      <dgm:spPr/>
+      <dgm:t>
+        <a:bodyPr/>
+        <a:lstStyle/>
+        <a:p>
+          <a:endParaRPr lang="es-CL"/>
+        </a:p>
+      </dgm:t>
+    </dgm:pt>
+    <dgm:pt modelId="{DD7F3FDF-E3C6-46FD-A5D5-AC5B226150ED}">
+      <dgm:prSet/>
+      <dgm:spPr>
+        <a:solidFill>
+          <a:srgbClr val="FFC000"/>
+        </a:solidFill>
+      </dgm:spPr>
+      <dgm:t>
+        <a:bodyPr/>
+        <a:lstStyle/>
+        <a:p>
+          <a:r>
+            <a:rPr lang="es-CL" dirty="0"/>
+            <a:t>Volumen diario mercado nacional mayorista</a:t>
+          </a:r>
+        </a:p>
+      </dgm:t>
+    </dgm:pt>
+    <dgm:pt modelId="{4B51D664-04B9-423A-8F7A-8891AC8B71C5}" type="parTrans" cxnId="{E46D4B06-3185-49C7-9B5B-508903A43163}">
+      <dgm:prSet/>
+      <dgm:spPr/>
+      <dgm:t>
+        <a:bodyPr/>
+        <a:lstStyle/>
+        <a:p>
+          <a:endParaRPr lang="es-CL" sz="1400"/>
+        </a:p>
+      </dgm:t>
+    </dgm:pt>
+    <dgm:pt modelId="{50F2FB91-A9F4-4974-BDD0-A4CB97211292}" type="sibTrans" cxnId="{E46D4B06-3185-49C7-9B5B-508903A43163}">
+      <dgm:prSet/>
+      <dgm:spPr/>
+      <dgm:t>
+        <a:bodyPr/>
+        <a:lstStyle/>
+        <a:p>
+          <a:endParaRPr lang="es-CL"/>
+        </a:p>
+      </dgm:t>
+    </dgm:pt>
+    <dgm:pt modelId="{9AB1F077-58A6-4DCD-9AEA-D9C1CE2ABBA6}" type="pres">
+      <dgm:prSet presAssocID="{C2B0BC53-E054-4CCB-9171-C86720FC59DF}" presName="linear" presStyleCnt="0">
+        <dgm:presLayoutVars>
+          <dgm:animLvl val="lvl"/>
+          <dgm:resizeHandles val="exact"/>
+        </dgm:presLayoutVars>
+      </dgm:prSet>
+      <dgm:spPr/>
+    </dgm:pt>
+    <dgm:pt modelId="{B631EDAC-EC02-456D-A9E6-E608D96F15DD}" type="pres">
+      <dgm:prSet presAssocID="{DD7F3FDF-E3C6-46FD-A5D5-AC5B226150ED}" presName="parentText" presStyleLbl="node1" presStyleIdx="0" presStyleCnt="1" custLinFactNeighborX="-4183" custLinFactNeighborY="75">
+        <dgm:presLayoutVars>
+          <dgm:chMax val="0"/>
+          <dgm:bulletEnabled val="1"/>
+        </dgm:presLayoutVars>
+      </dgm:prSet>
+      <dgm:spPr/>
+    </dgm:pt>
+  </dgm:ptLst>
+  <dgm:cxnLst>
+    <dgm:cxn modelId="{E46D4B06-3185-49C7-9B5B-508903A43163}" srcId="{C2B0BC53-E054-4CCB-9171-C86720FC59DF}" destId="{DD7F3FDF-E3C6-46FD-A5D5-AC5B226150ED}" srcOrd="0" destOrd="0" parTransId="{4B51D664-04B9-423A-8F7A-8891AC8B71C5}" sibTransId="{50F2FB91-A9F4-4974-BDD0-A4CB97211292}"/>
+    <dgm:cxn modelId="{0F5E1D94-0A37-4C3A-B676-AE2310AC55AE}" type="presOf" srcId="{C2B0BC53-E054-4CCB-9171-C86720FC59DF}" destId="{9AB1F077-58A6-4DCD-9AEA-D9C1CE2ABBA6}" srcOrd="0" destOrd="0" presId="urn:microsoft.com/office/officeart/2005/8/layout/vList2"/>
+    <dgm:cxn modelId="{4A484A97-20C7-4F9A-8C2A-21E1001F2806}" type="presOf" srcId="{DD7F3FDF-E3C6-46FD-A5D5-AC5B226150ED}" destId="{B631EDAC-EC02-456D-A9E6-E608D96F15DD}" srcOrd="0" destOrd="0" presId="urn:microsoft.com/office/officeart/2005/8/layout/vList2"/>
+    <dgm:cxn modelId="{78EEDF20-97A2-4F70-9E71-72D654D3B5E9}" type="presParOf" srcId="{9AB1F077-58A6-4DCD-9AEA-D9C1CE2ABBA6}" destId="{B631EDAC-EC02-456D-A9E6-E608D96F15DD}" srcOrd="0" destOrd="0" presId="urn:microsoft.com/office/officeart/2005/8/layout/vList2"/>
+  </dgm:cxnLst>
+  <dgm:bg/>
+  <dgm:whole/>
+  <dgm:extLst>
+    <a:ext uri="http://schemas.microsoft.com/office/drawing/2008/diagram">
+      <dsp:dataModelExt xmlns:dsp="http://schemas.microsoft.com/office/drawing/2008/diagram" relId="rId6" minVer="http://schemas.openxmlformats.org/drawingml/2006/diagram"/>
+    </a:ext>
+  </dgm:extLst>
+</dgm:dataModel>
+</file>
+
+<file path=ppt/diagrams/data11.xml><?xml version="1.0" encoding="utf-8"?>
 <dgm:dataModel xmlns:dgm="http://schemas.openxmlformats.org/drawingml/2006/diagram" xmlns:a="http://schemas.openxmlformats.org/drawingml/2006/main">
   <dgm:ptLst>
     <dgm:pt modelId="{C2B0BC53-E054-4CCB-9171-C86720FC59DF}" type="doc">
@@ -10654,8 +11716,8 @@
       </dsp:nvSpPr>
       <dsp:spPr>
         <a:xfrm>
-          <a:off x="0" y="32325"/>
-          <a:ext cx="3812299" cy="287819"/>
+          <a:off x="0" y="4019"/>
+          <a:ext cx="3812299" cy="263835"/>
         </a:xfrm>
         <a:prstGeom prst="roundRect">
           <a:avLst/>
@@ -10724,12 +11786,12 @@
         </a:fontRef>
       </dsp:style>
       <dsp:txBody>
-        <a:bodyPr spcFirstLastPara="0" vert="horz" wrap="square" lIns="45720" tIns="45720" rIns="45720" bIns="45720" numCol="1" spcCol="1270" anchor="ctr" anchorCtr="0">
+        <a:bodyPr spcFirstLastPara="0" vert="horz" wrap="square" lIns="41910" tIns="41910" rIns="41910" bIns="41910" numCol="1" spcCol="1270" anchor="ctr" anchorCtr="0">
           <a:noAutofit/>
         </a:bodyPr>
         <a:lstStyle/>
         <a:p>
-          <a:pPr marL="0" lvl="0" indent="0" algn="l" defTabSz="533400">
+          <a:pPr marL="0" lvl="0" indent="0" algn="l" defTabSz="488950">
             <a:lnSpc>
               <a:spcPct val="90000"/>
             </a:lnSpc>
@@ -10742,14 +11804,14 @@
             <a:buNone/>
           </a:pPr>
           <a:r>
-            <a:rPr lang="es-CL" sz="1200" kern="1200" dirty="0"/>
+            <a:rPr lang="es-CL" sz="1100" kern="1200" dirty="0"/>
             <a:t>Superficie, producción y rendimiento </a:t>
           </a:r>
         </a:p>
       </dsp:txBody>
       <dsp:txXfrm>
-        <a:off x="14050" y="46375"/>
-        <a:ext cx="3784199" cy="259719"/>
+        <a:off x="12879" y="16898"/>
+        <a:ext cx="3786541" cy="238077"/>
       </dsp:txXfrm>
     </dsp:sp>
     <dsp:sp modelId="{1947DB31-7668-45E2-B5FA-FBB7BCD4C590}">
@@ -10759,8 +11821,8 @@
       </dsp:nvSpPr>
       <dsp:spPr>
         <a:xfrm>
-          <a:off x="0" y="354705"/>
-          <a:ext cx="3812299" cy="287819"/>
+          <a:off x="0" y="299535"/>
+          <a:ext cx="3812299" cy="263835"/>
         </a:xfrm>
         <a:prstGeom prst="roundRect">
           <a:avLst/>
@@ -10829,12 +11891,12 @@
         </a:fontRef>
       </dsp:style>
       <dsp:txBody>
-        <a:bodyPr spcFirstLastPara="0" vert="horz" wrap="square" lIns="45720" tIns="45720" rIns="45720" bIns="45720" numCol="1" spcCol="1270" anchor="ctr" anchorCtr="0">
+        <a:bodyPr spcFirstLastPara="0" vert="horz" wrap="square" lIns="41910" tIns="41910" rIns="41910" bIns="41910" numCol="1" spcCol="1270" anchor="ctr" anchorCtr="0">
           <a:noAutofit/>
         </a:bodyPr>
         <a:lstStyle/>
         <a:p>
-          <a:pPr marL="0" lvl="0" indent="0" algn="l" defTabSz="533400">
+          <a:pPr marL="0" lvl="0" indent="0" algn="l" defTabSz="488950">
             <a:lnSpc>
               <a:spcPct val="90000"/>
             </a:lnSpc>
@@ -10847,14 +11909,14 @@
             <a:buNone/>
           </a:pPr>
           <a:r>
-            <a:rPr lang="es-CL" sz="1200" kern="1200" dirty="0"/>
+            <a:rPr lang="es-CL" sz="1100" kern="1200" dirty="0"/>
             <a:t>Exportaciones por país de destino</a:t>
           </a:r>
         </a:p>
       </dsp:txBody>
       <dsp:txXfrm>
-        <a:off x="14050" y="368755"/>
-        <a:ext cx="3784199" cy="259719"/>
+        <a:off x="12879" y="312414"/>
+        <a:ext cx="3786541" cy="238077"/>
       </dsp:txXfrm>
     </dsp:sp>
     <dsp:sp modelId="{FB224E43-065E-4276-983A-F93683024FA4}">
@@ -10864,8 +11926,8 @@
       </dsp:nvSpPr>
       <dsp:spPr>
         <a:xfrm>
-          <a:off x="0" y="677085"/>
-          <a:ext cx="3812299" cy="287819"/>
+          <a:off x="0" y="595050"/>
+          <a:ext cx="3812299" cy="263835"/>
         </a:xfrm>
         <a:prstGeom prst="roundRect">
           <a:avLst/>
@@ -10934,12 +11996,12 @@
         </a:fontRef>
       </dsp:style>
       <dsp:txBody>
-        <a:bodyPr spcFirstLastPara="0" vert="horz" wrap="square" lIns="45720" tIns="45720" rIns="45720" bIns="45720" numCol="1" spcCol="1270" anchor="ctr" anchorCtr="0">
+        <a:bodyPr spcFirstLastPara="0" vert="horz" wrap="square" lIns="41910" tIns="41910" rIns="41910" bIns="41910" numCol="1" spcCol="1270" anchor="ctr" anchorCtr="0">
           <a:noAutofit/>
         </a:bodyPr>
         <a:lstStyle/>
         <a:p>
-          <a:pPr marL="0" lvl="0" indent="0" algn="l" defTabSz="533400">
+          <a:pPr marL="0" lvl="0" indent="0" algn="l" defTabSz="488950">
             <a:lnSpc>
               <a:spcPct val="90000"/>
             </a:lnSpc>
@@ -10952,14 +12014,14 @@
             <a:buNone/>
           </a:pPr>
           <a:r>
-            <a:rPr lang="es-CL" sz="1200" kern="1200" dirty="0"/>
+            <a:rPr lang="es-CL" sz="1100" kern="1200" dirty="0"/>
             <a:t>Importaciones por país de origen </a:t>
           </a:r>
         </a:p>
       </dsp:txBody>
       <dsp:txXfrm>
-        <a:off x="14050" y="691135"/>
-        <a:ext cx="3784199" cy="259719"/>
+        <a:off x="12879" y="607929"/>
+        <a:ext cx="3786541" cy="238077"/>
       </dsp:txXfrm>
     </dsp:sp>
     <dsp:sp modelId="{3EDD7C56-37EE-47FF-9426-C94BD17FE34C}">
@@ -10969,8 +12031,8 @@
       </dsp:nvSpPr>
       <dsp:spPr>
         <a:xfrm>
-          <a:off x="0" y="999465"/>
-          <a:ext cx="3812299" cy="287819"/>
+          <a:off x="0" y="890565"/>
+          <a:ext cx="3812299" cy="263835"/>
         </a:xfrm>
         <a:prstGeom prst="roundRect">
           <a:avLst/>
@@ -11039,12 +12101,12 @@
         </a:fontRef>
       </dsp:style>
       <dsp:txBody>
-        <a:bodyPr spcFirstLastPara="0" vert="horz" wrap="square" lIns="45720" tIns="45720" rIns="45720" bIns="45720" numCol="1" spcCol="1270" anchor="ctr" anchorCtr="0">
+        <a:bodyPr spcFirstLastPara="0" vert="horz" wrap="square" lIns="41910" tIns="41910" rIns="41910" bIns="41910" numCol="1" spcCol="1270" anchor="ctr" anchorCtr="0">
           <a:noAutofit/>
         </a:bodyPr>
         <a:lstStyle/>
         <a:p>
-          <a:pPr marL="0" lvl="0" indent="0" algn="l" defTabSz="533400">
+          <a:pPr marL="0" lvl="0" indent="0" algn="l" defTabSz="488950">
             <a:lnSpc>
               <a:spcPct val="90000"/>
             </a:lnSpc>
@@ -11057,19 +12119,19 @@
             <a:buNone/>
           </a:pPr>
           <a:r>
-            <a:rPr lang="es-CL" sz="1200" kern="1200" dirty="0"/>
+            <a:rPr lang="es-CL" sz="1100" kern="1200" dirty="0"/>
             <a:t>Exportaciones e </a:t>
           </a:r>
           <a:r>
-            <a:rPr lang="es-CL" sz="1200" kern="1200" dirty="0" err="1"/>
+            <a:rPr lang="es-CL" sz="1100" kern="1200" dirty="0" err="1"/>
             <a:t>importanciones</a:t>
           </a:r>
-          <a:endParaRPr lang="es-CL" sz="1200" kern="1200" dirty="0"/>
+          <a:endParaRPr lang="es-CL" sz="1100" kern="1200" dirty="0"/>
         </a:p>
       </dsp:txBody>
       <dsp:txXfrm>
-        <a:off x="14050" y="1013515"/>
-        <a:ext cx="3784199" cy="259719"/>
+        <a:off x="12879" y="903444"/>
+        <a:ext cx="3786541" cy="238077"/>
       </dsp:txXfrm>
     </dsp:sp>
     <dsp:sp modelId="{9B6AE6F2-027C-43FB-BB68-D62AF6833B58}">
@@ -11079,8 +12141,8 @@
       </dsp:nvSpPr>
       <dsp:spPr>
         <a:xfrm>
-          <a:off x="0" y="1321845"/>
-          <a:ext cx="3812299" cy="287819"/>
+          <a:off x="0" y="1186080"/>
+          <a:ext cx="3812299" cy="263835"/>
         </a:xfrm>
         <a:prstGeom prst="roundRect">
           <a:avLst/>
@@ -11149,12 +12211,12 @@
         </a:fontRef>
       </dsp:style>
       <dsp:txBody>
-        <a:bodyPr spcFirstLastPara="0" vert="horz" wrap="square" lIns="45720" tIns="45720" rIns="45720" bIns="45720" numCol="1" spcCol="1270" anchor="ctr" anchorCtr="0">
+        <a:bodyPr spcFirstLastPara="0" vert="horz" wrap="square" lIns="41910" tIns="41910" rIns="41910" bIns="41910" numCol="1" spcCol="1270" anchor="ctr" anchorCtr="0">
           <a:noAutofit/>
         </a:bodyPr>
         <a:lstStyle/>
         <a:p>
-          <a:pPr marL="0" lvl="0" indent="0" algn="l" defTabSz="533400">
+          <a:pPr marL="0" lvl="0" indent="0" algn="l" defTabSz="488950">
             <a:lnSpc>
               <a:spcPct val="90000"/>
             </a:lnSpc>
@@ -11167,14 +12229,14 @@
             <a:buNone/>
           </a:pPr>
           <a:r>
-            <a:rPr lang="es-CL" sz="1200" strike="noStrike" kern="1200" dirty="0"/>
+            <a:rPr lang="es-CL" sz="1100" strike="noStrike" kern="1200" dirty="0"/>
             <a:t>Precios semanales a consumidor</a:t>
           </a:r>
         </a:p>
       </dsp:txBody>
       <dsp:txXfrm>
-        <a:off x="14050" y="1335895"/>
-        <a:ext cx="3784199" cy="259719"/>
+        <a:off x="12879" y="1198959"/>
+        <a:ext cx="3786541" cy="238077"/>
       </dsp:txXfrm>
     </dsp:sp>
     <dsp:sp modelId="{8B0B02B2-29C6-4ED2-850E-BFF26B8C2406}">
@@ -11184,8 +12246,8 @@
       </dsp:nvSpPr>
       <dsp:spPr>
         <a:xfrm>
-          <a:off x="0" y="1644225"/>
-          <a:ext cx="3812299" cy="287819"/>
+          <a:off x="0" y="1481595"/>
+          <a:ext cx="3812299" cy="263835"/>
         </a:xfrm>
         <a:prstGeom prst="roundRect">
           <a:avLst/>
@@ -11254,12 +12316,12 @@
         </a:fontRef>
       </dsp:style>
       <dsp:txBody>
-        <a:bodyPr spcFirstLastPara="0" vert="horz" wrap="square" lIns="45720" tIns="45720" rIns="45720" bIns="45720" numCol="1" spcCol="1270" anchor="ctr" anchorCtr="0">
+        <a:bodyPr spcFirstLastPara="0" vert="horz" wrap="square" lIns="41910" tIns="41910" rIns="41910" bIns="41910" numCol="1" spcCol="1270" anchor="ctr" anchorCtr="0">
           <a:noAutofit/>
         </a:bodyPr>
         <a:lstStyle/>
         <a:p>
-          <a:pPr marL="0" lvl="0" indent="0" algn="l" defTabSz="533400">
+          <a:pPr marL="0" lvl="0" indent="0" algn="l" defTabSz="488950">
             <a:lnSpc>
               <a:spcPct val="90000"/>
             </a:lnSpc>
@@ -11272,14 +12334,14 @@
             <a:buNone/>
           </a:pPr>
           <a:r>
-            <a:rPr lang="es-CL" sz="1200" kern="1200" dirty="0"/>
+            <a:rPr lang="es-CL" sz="1100" kern="1200" dirty="0"/>
             <a:t>Precios mensuales a consumidor </a:t>
           </a:r>
         </a:p>
       </dsp:txBody>
       <dsp:txXfrm>
-        <a:off x="14050" y="1658275"/>
-        <a:ext cx="3784199" cy="259719"/>
+        <a:off x="12879" y="1494474"/>
+        <a:ext cx="3786541" cy="238077"/>
       </dsp:txXfrm>
     </dsp:sp>
     <dsp:sp modelId="{8459AB4D-2E6F-4C99-8C32-A4F3E944AD2B}">
@@ -11289,8 +12351,8 @@
       </dsp:nvSpPr>
       <dsp:spPr>
         <a:xfrm>
-          <a:off x="0" y="1966605"/>
-          <a:ext cx="3812299" cy="287819"/>
+          <a:off x="0" y="1777110"/>
+          <a:ext cx="3812299" cy="263835"/>
         </a:xfrm>
         <a:prstGeom prst="roundRect">
           <a:avLst/>
@@ -11359,12 +12421,12 @@
         </a:fontRef>
       </dsp:style>
       <dsp:txBody>
-        <a:bodyPr spcFirstLastPara="0" vert="horz" wrap="square" lIns="45720" tIns="45720" rIns="45720" bIns="45720" numCol="1" spcCol="1270" anchor="ctr" anchorCtr="0">
+        <a:bodyPr spcFirstLastPara="0" vert="horz" wrap="square" lIns="41910" tIns="41910" rIns="41910" bIns="41910" numCol="1" spcCol="1270" anchor="ctr" anchorCtr="0">
           <a:noAutofit/>
         </a:bodyPr>
         <a:lstStyle/>
         <a:p>
-          <a:pPr marL="0" lvl="0" indent="0" algn="l" defTabSz="533400">
+          <a:pPr marL="0" lvl="0" indent="0" algn="l" defTabSz="488950">
             <a:lnSpc>
               <a:spcPct val="90000"/>
             </a:lnSpc>
@@ -11377,25 +12439,25 @@
             <a:buNone/>
           </a:pPr>
           <a:r>
-            <a:rPr lang="es-CL" sz="1200" kern="1200" dirty="0"/>
+            <a:rPr lang="es-CL" sz="1100" kern="1200" dirty="0"/>
             <a:t>Precios diarios según variedad</a:t>
           </a:r>
         </a:p>
       </dsp:txBody>
       <dsp:txXfrm>
-        <a:off x="14050" y="1980655"/>
-        <a:ext cx="3784199" cy="259719"/>
+        <a:off x="12879" y="1789989"/>
+        <a:ext cx="3786541" cy="238077"/>
       </dsp:txXfrm>
     </dsp:sp>
-    <dsp:sp modelId="{B631EDAC-EC02-456D-A9E6-E608D96F15DD}">
+    <dsp:sp modelId="{C01C6D18-5E1B-4CF8-A4F0-4C33025FBC7E}">
       <dsp:nvSpPr>
         <dsp:cNvPr id="0" name=""/>
         <dsp:cNvSpPr/>
       </dsp:nvSpPr>
       <dsp:spPr>
         <a:xfrm>
-          <a:off x="0" y="2288985"/>
-          <a:ext cx="3812299" cy="287819"/>
+          <a:off x="0" y="2072625"/>
+          <a:ext cx="3812299" cy="263835"/>
         </a:xfrm>
         <a:prstGeom prst="roundRect">
           <a:avLst/>
@@ -11464,12 +12526,12 @@
         </a:fontRef>
       </dsp:style>
       <dsp:txBody>
-        <a:bodyPr spcFirstLastPara="0" vert="horz" wrap="square" lIns="45720" tIns="45720" rIns="45720" bIns="45720" numCol="1" spcCol="1270" anchor="ctr" anchorCtr="0">
+        <a:bodyPr spcFirstLastPara="0" vert="horz" wrap="square" lIns="41910" tIns="41910" rIns="41910" bIns="41910" numCol="1" spcCol="1270" anchor="ctr" anchorCtr="0">
           <a:noAutofit/>
         </a:bodyPr>
         <a:lstStyle/>
         <a:p>
-          <a:pPr marL="0" lvl="0" indent="0" algn="l" defTabSz="533400">
+          <a:pPr marL="0" lvl="0" indent="0" algn="l" defTabSz="488950">
             <a:lnSpc>
               <a:spcPct val="90000"/>
             </a:lnSpc>
@@ -11482,25 +12544,25 @@
             <a:buNone/>
           </a:pPr>
           <a:r>
-            <a:rPr lang="es-CL" sz="1200" kern="1200" dirty="0"/>
-            <a:t>Empleo </a:t>
+            <a:rPr lang="es-CL" sz="1100" kern="1200" dirty="0"/>
+            <a:t>Volúmenes diarios mercado nacional mayorista</a:t>
           </a:r>
         </a:p>
       </dsp:txBody>
       <dsp:txXfrm>
-        <a:off x="14050" y="2303035"/>
-        <a:ext cx="3784199" cy="259719"/>
+        <a:off x="12879" y="2085504"/>
+        <a:ext cx="3786541" cy="238077"/>
       </dsp:txXfrm>
     </dsp:sp>
-    <dsp:sp modelId="{110AB71C-3DA3-438F-9D52-06FEEED799BE}">
+    <dsp:sp modelId="{B631EDAC-EC02-456D-A9E6-E608D96F15DD}">
       <dsp:nvSpPr>
         <dsp:cNvPr id="0" name=""/>
         <dsp:cNvSpPr/>
       </dsp:nvSpPr>
       <dsp:spPr>
         <a:xfrm>
-          <a:off x="0" y="2611364"/>
-          <a:ext cx="3812299" cy="287819"/>
+          <a:off x="0" y="2368140"/>
+          <a:ext cx="3812299" cy="263835"/>
         </a:xfrm>
         <a:prstGeom prst="roundRect">
           <a:avLst/>
@@ -11569,12 +12631,12 @@
         </a:fontRef>
       </dsp:style>
       <dsp:txBody>
-        <a:bodyPr spcFirstLastPara="0" vert="horz" wrap="square" lIns="45720" tIns="45720" rIns="45720" bIns="45720" numCol="1" spcCol="1270" anchor="ctr" anchorCtr="0">
+        <a:bodyPr spcFirstLastPara="0" vert="horz" wrap="square" lIns="41910" tIns="41910" rIns="41910" bIns="41910" numCol="1" spcCol="1270" anchor="ctr" anchorCtr="0">
           <a:noAutofit/>
         </a:bodyPr>
         <a:lstStyle/>
         <a:p>
-          <a:pPr marL="0" lvl="0" indent="0" algn="l" defTabSz="533400">
+          <a:pPr marL="0" lvl="0" indent="0" algn="l" defTabSz="488950">
             <a:lnSpc>
               <a:spcPct val="90000"/>
             </a:lnSpc>
@@ -11587,14 +12649,119 @@
             <a:buNone/>
           </a:pPr>
           <a:r>
-            <a:rPr lang="es-CL" sz="1200" kern="1200" dirty="0"/>
+            <a:rPr lang="es-CL" sz="1100" kern="1200" dirty="0"/>
+            <a:t>Empleo </a:t>
+          </a:r>
+        </a:p>
+      </dsp:txBody>
+      <dsp:txXfrm>
+        <a:off x="12879" y="2381019"/>
+        <a:ext cx="3786541" cy="238077"/>
+      </dsp:txXfrm>
+    </dsp:sp>
+    <dsp:sp modelId="{110AB71C-3DA3-438F-9D52-06FEEED799BE}">
+      <dsp:nvSpPr>
+        <dsp:cNvPr id="0" name=""/>
+        <dsp:cNvSpPr/>
+      </dsp:nvSpPr>
+      <dsp:spPr>
+        <a:xfrm>
+          <a:off x="0" y="2663655"/>
+          <a:ext cx="3812299" cy="263835"/>
+        </a:xfrm>
+        <a:prstGeom prst="roundRect">
+          <a:avLst/>
+        </a:prstGeom>
+        <a:gradFill rotWithShape="0">
+          <a:gsLst>
+            <a:gs pos="0">
+              <a:schemeClr val="accent6">
+                <a:hueOff val="0"/>
+                <a:satOff val="0"/>
+                <a:lumOff val="0"/>
+                <a:alphaOff val="0"/>
+                <a:satMod val="103000"/>
+                <a:lumMod val="102000"/>
+                <a:tint val="94000"/>
+              </a:schemeClr>
+            </a:gs>
+            <a:gs pos="50000">
+              <a:schemeClr val="accent6">
+                <a:hueOff val="0"/>
+                <a:satOff val="0"/>
+                <a:lumOff val="0"/>
+                <a:alphaOff val="0"/>
+                <a:satMod val="110000"/>
+                <a:lumMod val="100000"/>
+                <a:shade val="100000"/>
+              </a:schemeClr>
+            </a:gs>
+            <a:gs pos="100000">
+              <a:schemeClr val="accent6">
+                <a:hueOff val="0"/>
+                <a:satOff val="0"/>
+                <a:lumOff val="0"/>
+                <a:alphaOff val="0"/>
+                <a:lumMod val="99000"/>
+                <a:satMod val="120000"/>
+                <a:shade val="78000"/>
+              </a:schemeClr>
+            </a:gs>
+          </a:gsLst>
+          <a:lin ang="5400000" scaled="0"/>
+        </a:gradFill>
+        <a:ln>
+          <a:noFill/>
+        </a:ln>
+        <a:effectLst>
+          <a:outerShdw blurRad="57150" dist="19050" dir="5400000" algn="ctr" rotWithShape="0">
+            <a:srgbClr val="000000">
+              <a:alpha val="63000"/>
+            </a:srgbClr>
+          </a:outerShdw>
+        </a:effectLst>
+      </dsp:spPr>
+      <dsp:style>
+        <a:lnRef idx="0">
+          <a:scrgbClr r="0" g="0" b="0"/>
+        </a:lnRef>
+        <a:fillRef idx="3">
+          <a:scrgbClr r="0" g="0" b="0"/>
+        </a:fillRef>
+        <a:effectRef idx="3">
+          <a:scrgbClr r="0" g="0" b="0"/>
+        </a:effectRef>
+        <a:fontRef idx="minor">
+          <a:schemeClr val="lt1"/>
+        </a:fontRef>
+      </dsp:style>
+      <dsp:txBody>
+        <a:bodyPr spcFirstLastPara="0" vert="horz" wrap="square" lIns="41910" tIns="41910" rIns="41910" bIns="41910" numCol="1" spcCol="1270" anchor="ctr" anchorCtr="0">
+          <a:noAutofit/>
+        </a:bodyPr>
+        <a:lstStyle/>
+        <a:p>
+          <a:pPr marL="0" lvl="0" indent="0" algn="l" defTabSz="488950">
+            <a:lnSpc>
+              <a:spcPct val="90000"/>
+            </a:lnSpc>
+            <a:spcBef>
+              <a:spcPct val="0"/>
+            </a:spcBef>
+            <a:spcAft>
+              <a:spcPct val="35000"/>
+            </a:spcAft>
+            <a:buNone/>
+          </a:pPr>
+          <a:r>
+            <a:rPr lang="es-CL" sz="1100" kern="1200" dirty="0"/>
             <a:t>Ficha técnica</a:t>
           </a:r>
         </a:p>
       </dsp:txBody>
       <dsp:txXfrm>
-        <a:off x="14050" y="2625414"/>
-        <a:ext cx="3784199" cy="259719"/>
+        <a:off x="12879" y="2676534"/>
+        <a:ext cx="3786541" cy="238077"/>
       </dsp:txXfrm>
     </dsp:sp>
   </dsp:spTree>
@@ -11602,6 +12769,88 @@
 </file>
 
 <file path=ppt/diagrams/drawing10.xml><?xml version="1.0" encoding="utf-8"?>
+<dsp:drawing xmlns:dgm="http://schemas.openxmlformats.org/drawingml/2006/diagram" xmlns:dsp="http://schemas.microsoft.com/office/drawing/2008/diagram" xmlns:a="http://schemas.openxmlformats.org/drawingml/2006/main">
+  <dsp:spTree>
+    <dsp:nvGrpSpPr>
+      <dsp:cNvPr id="0" name=""/>
+      <dsp:cNvGrpSpPr/>
+    </dsp:nvGrpSpPr>
+    <dsp:grpSpPr/>
+    <dsp:sp modelId="{B631EDAC-EC02-456D-A9E6-E608D96F15DD}">
+      <dsp:nvSpPr>
+        <dsp:cNvPr id="0" name=""/>
+        <dsp:cNvSpPr/>
+      </dsp:nvSpPr>
+      <dsp:spPr>
+        <a:xfrm>
+          <a:off x="0" y="4864"/>
+          <a:ext cx="3812299" cy="2926170"/>
+        </a:xfrm>
+        <a:prstGeom prst="roundRect">
+          <a:avLst/>
+        </a:prstGeom>
+        <a:solidFill>
+          <a:srgbClr val="FFC000"/>
+        </a:solidFill>
+        <a:ln>
+          <a:noFill/>
+        </a:ln>
+        <a:effectLst>
+          <a:outerShdw blurRad="57150" dist="19050" dir="5400000" algn="ctr" rotWithShape="0">
+            <a:srgbClr val="000000">
+              <a:alpha val="63000"/>
+            </a:srgbClr>
+          </a:outerShdw>
+        </a:effectLst>
+      </dsp:spPr>
+      <dsp:style>
+        <a:lnRef idx="0">
+          <a:scrgbClr r="0" g="0" b="0"/>
+        </a:lnRef>
+        <a:fillRef idx="3">
+          <a:scrgbClr r="0" g="0" b="0"/>
+        </a:fillRef>
+        <a:effectRef idx="3">
+          <a:scrgbClr r="0" g="0" b="0"/>
+        </a:effectRef>
+        <a:fontRef idx="minor">
+          <a:schemeClr val="lt1"/>
+        </a:fontRef>
+      </dsp:style>
+      <dsp:txBody>
+        <a:bodyPr spcFirstLastPara="0" vert="horz" wrap="square" lIns="156210" tIns="156210" rIns="156210" bIns="156210" numCol="1" spcCol="1270" anchor="ctr" anchorCtr="0">
+          <a:noAutofit/>
+        </a:bodyPr>
+        <a:lstStyle/>
+        <a:p>
+          <a:pPr marL="0" lvl="0" indent="0" algn="l" defTabSz="1822450">
+            <a:lnSpc>
+              <a:spcPct val="90000"/>
+            </a:lnSpc>
+            <a:spcBef>
+              <a:spcPct val="0"/>
+            </a:spcBef>
+            <a:spcAft>
+              <a:spcPct val="35000"/>
+            </a:spcAft>
+            <a:buNone/>
+          </a:pPr>
+          <a:r>
+            <a:rPr lang="es-CL" sz="4100" kern="1200" dirty="0"/>
+            <a:t>Volumen diario mercado nacional mayorista</a:t>
+          </a:r>
+        </a:p>
+      </dsp:txBody>
+      <dsp:txXfrm>
+        <a:off x="142844" y="147708"/>
+        <a:ext cx="3526611" cy="2640482"/>
+      </dsp:txXfrm>
+    </dsp:sp>
+  </dsp:spTree>
+</dsp:drawing>
+</file>
+
+<file path=ppt/diagrams/drawing11.xml><?xml version="1.0" encoding="utf-8"?>
 <dsp:drawing xmlns:dgm="http://schemas.openxmlformats.org/drawingml/2006/diagram" xmlns:dsp="http://schemas.microsoft.com/office/drawing/2008/diagram" xmlns:a="http://schemas.openxmlformats.org/drawingml/2006/main">
   <dsp:spTree>
     <dsp:nvGrpSpPr>
@@ -12606,6 +13855,173 @@
 </file>
 
 <file path=ppt/diagrams/layout10.xml><?xml version="1.0" encoding="utf-8"?>
+<dgm:layoutDef xmlns:dgm="http://schemas.openxmlformats.org/drawingml/2006/diagram" xmlns:a="http://schemas.openxmlformats.org/drawingml/2006/main" uniqueId="urn:microsoft.com/office/officeart/2005/8/layout/vList2">
+  <dgm:title val=""/>
+  <dgm:desc val=""/>
+  <dgm:catLst>
+    <dgm:cat type="list" pri="3000"/>
+    <dgm:cat type="convert" pri="1000"/>
+  </dgm:catLst>
+  <dgm:sampData>
+    <dgm:dataModel>
+      <dgm:ptLst>
+        <dgm:pt modelId="0" type="doc"/>
+        <dgm:pt modelId="1">
+          <dgm:prSet phldr="1"/>
+        </dgm:pt>
+        <dgm:pt modelId="11">
+          <dgm:prSet phldr="1"/>
+        </dgm:pt>
+        <dgm:pt modelId="2">
+          <dgm:prSet phldr="1"/>
+        </dgm:pt>
+        <dgm:pt modelId="21">
+          <dgm:prSet phldr="1"/>
+        </dgm:pt>
+      </dgm:ptLst>
+      <dgm:cxnLst>
+        <dgm:cxn modelId="4" srcId="0" destId="1" srcOrd="0" destOrd="0"/>
+        <dgm:cxn modelId="5" srcId="0" destId="2" srcOrd="1" destOrd="0"/>
+        <dgm:cxn modelId="12" srcId="1" destId="11" srcOrd="0" destOrd="0"/>
+        <dgm:cxn modelId="23" srcId="2" destId="21" srcOrd="0" destOrd="0"/>
+      </dgm:cxnLst>
+      <dgm:bg/>
+      <dgm:whole/>
+    </dgm:dataModel>
+  </dgm:sampData>
+  <dgm:styleData>
+    <dgm:dataModel>
+      <dgm:ptLst>
+        <dgm:pt modelId="0" type="doc"/>
+        <dgm:pt modelId="1"/>
+        <dgm:pt modelId="2"/>
+      </dgm:ptLst>
+      <dgm:cxnLst>
+        <dgm:cxn modelId="3" srcId="0" destId="1" srcOrd="0" destOrd="0"/>
+        <dgm:cxn modelId="4" srcId="0" destId="2" srcOrd="1" destOrd="0"/>
+      </dgm:cxnLst>
+      <dgm:bg/>
+      <dgm:whole/>
+    </dgm:dataModel>
+  </dgm:styleData>
+  <dgm:clrData>
+    <dgm:dataModel>
+      <dgm:ptLst>
+        <dgm:pt modelId="0" type="doc"/>
+        <dgm:pt modelId="1"/>
+        <dgm:pt modelId="2"/>
+        <dgm:pt modelId="3"/>
+        <dgm:pt modelId="4"/>
+      </dgm:ptLst>
+      <dgm:cxnLst>
+        <dgm:cxn modelId="5" srcId="0" destId="1" srcOrd="0" destOrd="0"/>
+        <dgm:cxn modelId="6" srcId="0" destId="2" srcOrd="1" destOrd="0"/>
+        <dgm:cxn modelId="7" srcId="0" destId="3" srcOrd="2" destOrd="0"/>
+        <dgm:cxn modelId="8" srcId="0" destId="4" srcOrd="3" destOrd="0"/>
+      </dgm:cxnLst>
+      <dgm:bg/>
+      <dgm:whole/>
+    </dgm:dataModel>
+  </dgm:clrData>
+  <dgm:layoutNode name="linear">
+    <dgm:varLst>
+      <dgm:animLvl val="lvl"/>
+      <dgm:resizeHandles val="exact"/>
+    </dgm:varLst>
+    <dgm:alg type="lin">
+      <dgm:param type="linDir" val="fromT"/>
+      <dgm:param type="vertAlign" val="mid"/>
+    </dgm:alg>
+    <dgm:shape xmlns:r="http://schemas.openxmlformats.org/officeDocument/2006/relationships" r:blip="">
+      <dgm:adjLst/>
+    </dgm:shape>
+    <dgm:presOf/>
+    <dgm:constrLst>
+      <dgm:constr type="w" for="ch" forName="parentText" refType="w"/>
+      <dgm:constr type="h" for="ch" forName="parentText" refType="primFontSz" refFor="ch" refForName="parentText" fact="0.52"/>
+      <dgm:constr type="w" for="ch" forName="childText" refType="w"/>
+      <dgm:constr type="h" for="ch" forName="childText" refType="primFontSz" refFor="ch" refForName="parentText" fact="0.46"/>
+      <dgm:constr type="h" for="ch" forName="parentText" op="equ"/>
+      <dgm:constr type="primFontSz" for="ch" forName="parentText" op="equ" val="65"/>
+      <dgm:constr type="primFontSz" for="ch" forName="childText" refType="primFontSz" refFor="ch" refForName="parentText" op="equ"/>
+      <dgm:constr type="h" for="ch" forName="spacer" refType="primFontSz" refFor="ch" refForName="parentText" fact="0.08"/>
+    </dgm:constrLst>
+    <dgm:ruleLst>
+      <dgm:rule type="primFontSz" for="ch" forName="parentText" val="5" fact="NaN" max="NaN"/>
+    </dgm:ruleLst>
+    <dgm:forEach name="Name0" axis="ch" ptType="node">
+      <dgm:layoutNode name="parentText" styleLbl="node1">
+        <dgm:varLst>
+          <dgm:chMax val="0"/>
+          <dgm:bulletEnabled val="1"/>
+        </dgm:varLst>
+        <dgm:alg type="tx">
+          <dgm:param type="parTxLTRAlign" val="l"/>
+          <dgm:param type="parTxRTLAlign" val="r"/>
+        </dgm:alg>
+        <dgm:shape xmlns:r="http://schemas.openxmlformats.org/officeDocument/2006/relationships" type="roundRect" r:blip="">
+          <dgm:adjLst/>
+        </dgm:shape>
+        <dgm:presOf axis="self"/>
+        <dgm:constrLst>
+          <dgm:constr type="tMarg" refType="primFontSz" fact="0.3"/>
+          <dgm:constr type="bMarg" refType="primFontSz" fact="0.3"/>
+          <dgm:constr type="lMarg" refType="primFontSz" fact="0.3"/>
+          <dgm:constr type="rMarg" refType="primFontSz" fact="0.3"/>
+        </dgm:constrLst>
+        <dgm:ruleLst>
+          <dgm:rule type="h" val="INF" fact="NaN" max="NaN"/>
+        </dgm:ruleLst>
+      </dgm:layoutNode>
+      <dgm:choose name="Name1">
+        <dgm:if name="Name2" axis="ch" ptType="node" func="cnt" op="gte" val="1">
+          <dgm:layoutNode name="childText" styleLbl="revTx">
+            <dgm:varLst>
+              <dgm:bulletEnabled val="1"/>
+            </dgm:varLst>
+            <dgm:alg type="tx">
+              <dgm:param type="stBulletLvl" val="1"/>
+              <dgm:param type="lnSpAfChP" val="20"/>
+            </dgm:alg>
+            <dgm:shape xmlns:r="http://schemas.openxmlformats.org/officeDocument/2006/relationships" type="rect" r:blip="">
+              <dgm:adjLst/>
+            </dgm:shape>
+            <dgm:presOf axis="des" ptType="node"/>
+            <dgm:constrLst>
+              <dgm:constr type="tMarg" refType="primFontSz" fact="0.1"/>
+              <dgm:constr type="bMarg" refType="primFontSz" fact="0.1"/>
+              <dgm:constr type="lMarg" refType="w" fact="0.09"/>
+            </dgm:constrLst>
+            <dgm:ruleLst>
+              <dgm:rule type="h" val="INF" fact="NaN" max="NaN"/>
+            </dgm:ruleLst>
+          </dgm:layoutNode>
+        </dgm:if>
+        <dgm:else name="Name3">
+          <dgm:choose name="Name4">
+            <dgm:if name="Name5" axis="par ch" ptType="doc node" func="cnt" op="gte" val="2">
+              <dgm:forEach name="Name6" axis="followSib" ptType="sibTrans" cnt="1">
+                <dgm:layoutNode name="spacer">
+                  <dgm:alg type="sp"/>
+                  <dgm:shape xmlns:r="http://schemas.openxmlformats.org/officeDocument/2006/relationships" r:blip="">
+                    <dgm:adjLst/>
+                  </dgm:shape>
+                  <dgm:presOf/>
+                  <dgm:constrLst/>
+                  <dgm:ruleLst/>
+                </dgm:layoutNode>
+              </dgm:forEach>
+            </dgm:if>
+            <dgm:else name="Name7"/>
+          </dgm:choose>
+        </dgm:else>
+      </dgm:choose>
+    </dgm:forEach>
+  </dgm:layoutNode>
+</dgm:layoutDef>
+</file>
+
+<file path=ppt/diagrams/layout11.xml><?xml version="1.0" encoding="utf-8"?>
 <dgm:layoutDef xmlns:dgm="http://schemas.openxmlformats.org/drawingml/2006/diagram" xmlns:a="http://schemas.openxmlformats.org/drawingml/2006/main" uniqueId="urn:microsoft.com/office/officeart/2005/8/layout/vList2">
   <dgm:title val=""/>
   <dgm:desc val=""/>
@@ -16176,6 +17592,1040 @@
 </dgm:styleDef>
 </file>
 
+<file path=ppt/diagrams/quickStyle11.xml><?xml version="1.0" encoding="utf-8"?>
+<dgm:styleDef xmlns:dgm="http://schemas.openxmlformats.org/drawingml/2006/diagram" xmlns:a="http://schemas.openxmlformats.org/drawingml/2006/main" uniqueId="urn:microsoft.com/office/officeart/2005/8/quickstyle/simple5">
+  <dgm:title val=""/>
+  <dgm:desc val=""/>
+  <dgm:catLst>
+    <dgm:cat type="simple" pri="10500"/>
+  </dgm:catLst>
+  <dgm:scene3d>
+    <a:camera prst="orthographicFront"/>
+    <a:lightRig rig="threePt" dir="t"/>
+  </dgm:scene3d>
+  <dgm:styleLbl name="node0">
+    <dgm:scene3d>
+      <a:camera prst="orthographicFront"/>
+      <a:lightRig rig="threePt" dir="t"/>
+    </dgm:scene3d>
+    <dgm:sp3d/>
+    <dgm:txPr/>
+    <dgm:style>
+      <a:lnRef idx="0">
+        <a:scrgbClr r="0" g="0" b="0"/>
+      </a:lnRef>
+      <a:fillRef idx="3">
+        <a:scrgbClr r="0" g="0" b="0"/>
+      </a:fillRef>
+      <a:effectRef idx="3">
+        <a:scrgbClr r="0" g="0" b="0"/>
+      </a:effectRef>
+      <a:fontRef idx="minor">
+        <a:schemeClr val="lt1"/>
+      </a:fontRef>
+    </dgm:style>
+  </dgm:styleLbl>
+  <dgm:styleLbl name="lnNode1">
+    <dgm:scene3d>
+      <a:camera prst="orthographicFront"/>
+      <a:lightRig rig="threePt" dir="t"/>
+    </dgm:scene3d>
+    <dgm:sp3d/>
+    <dgm:txPr/>
+    <dgm:style>
+      <a:lnRef idx="0">
+        <a:scrgbClr r="0" g="0" b="0"/>
+      </a:lnRef>
+      <a:fillRef idx="3">
+        <a:scrgbClr r="0" g="0" b="0"/>
+      </a:fillRef>
+      <a:effectRef idx="3">
+        <a:scrgbClr r="0" g="0" b="0"/>
+      </a:effectRef>
+      <a:fontRef idx="minor">
+        <a:schemeClr val="lt1"/>
+      </a:fontRef>
+    </dgm:style>
+  </dgm:styleLbl>
+  <dgm:styleLbl name="vennNode1">
+    <dgm:scene3d>
+      <a:camera prst="orthographicFront"/>
+      <a:lightRig rig="threePt" dir="t"/>
+    </dgm:scene3d>
+    <dgm:sp3d/>
+    <dgm:txPr/>
+    <dgm:style>
+      <a:lnRef idx="0">
+        <a:scrgbClr r="0" g="0" b="0"/>
+      </a:lnRef>
+      <a:fillRef idx="3">
+        <a:scrgbClr r="0" g="0" b="0"/>
+      </a:fillRef>
+      <a:effectRef idx="3">
+        <a:scrgbClr r="0" g="0" b="0"/>
+      </a:effectRef>
+      <a:fontRef idx="minor">
+        <a:schemeClr val="tx1"/>
+      </a:fontRef>
+    </dgm:style>
+  </dgm:styleLbl>
+  <dgm:styleLbl name="alignNode1">
+    <dgm:scene3d>
+      <a:camera prst="orthographicFront"/>
+      <a:lightRig rig="threePt" dir="t"/>
+    </dgm:scene3d>
+    <dgm:sp3d/>
+    <dgm:txPr/>
+    <dgm:style>
+      <a:lnRef idx="1">
+        <a:scrgbClr r="0" g="0" b="0"/>
+      </a:lnRef>
+      <a:fillRef idx="3">
+        <a:scrgbClr r="0" g="0" b="0"/>
+      </a:fillRef>
+      <a:effectRef idx="3">
+        <a:scrgbClr r="0" g="0" b="0"/>
+      </a:effectRef>
+      <a:fontRef idx="minor">
+        <a:schemeClr val="lt1"/>
+      </a:fontRef>
+    </dgm:style>
+  </dgm:styleLbl>
+  <dgm:styleLbl name="node1">
+    <dgm:scene3d>
+      <a:camera prst="orthographicFront"/>
+      <a:lightRig rig="threePt" dir="t"/>
+    </dgm:scene3d>
+    <dgm:sp3d/>
+    <dgm:txPr/>
+    <dgm:style>
+      <a:lnRef idx="0">
+        <a:scrgbClr r="0" g="0" b="0"/>
+      </a:lnRef>
+      <a:fillRef idx="3">
+        <a:scrgbClr r="0" g="0" b="0"/>
+      </a:fillRef>
+      <a:effectRef idx="3">
+        <a:scrgbClr r="0" g="0" b="0"/>
+      </a:effectRef>
+      <a:fontRef idx="minor">
+        <a:schemeClr val="lt1"/>
+      </a:fontRef>
+    </dgm:style>
+  </dgm:styleLbl>
+  <dgm:styleLbl name="node2">
+    <dgm:scene3d>
+      <a:camera prst="orthographicFront"/>
+      <a:lightRig rig="threePt" dir="t"/>
+    </dgm:scene3d>
+    <dgm:sp3d/>
+    <dgm:txPr/>
+    <dgm:style>
+      <a:lnRef idx="0">
+        <a:scrgbClr r="0" g="0" b="0"/>
+      </a:lnRef>
+      <a:fillRef idx="3">
+        <a:scrgbClr r="0" g="0" b="0"/>
+      </a:fillRef>
+      <a:effectRef idx="3">
+        <a:scrgbClr r="0" g="0" b="0"/>
+      </a:effectRef>
+      <a:fontRef idx="minor">
+        <a:schemeClr val="lt1"/>
+      </a:fontRef>
+    </dgm:style>
+  </dgm:styleLbl>
+  <dgm:styleLbl name="node3">
+    <dgm:scene3d>
+      <a:camera prst="orthographicFront"/>
+      <a:lightRig rig="threePt" dir="t"/>
+    </dgm:scene3d>
+    <dgm:sp3d/>
+    <dgm:txPr/>
+    <dgm:style>
+      <a:lnRef idx="0">
+        <a:scrgbClr r="0" g="0" b="0"/>
+      </a:lnRef>
+      <a:fillRef idx="3">
+        <a:scrgbClr r="0" g="0" b="0"/>
+      </a:fillRef>
+      <a:effectRef idx="3">
+        <a:scrgbClr r="0" g="0" b="0"/>
+      </a:effectRef>
+      <a:fontRef idx="minor">
+        <a:schemeClr val="lt1"/>
+      </a:fontRef>
+    </dgm:style>
+  </dgm:styleLbl>
+  <dgm:styleLbl name="node4">
+    <dgm:scene3d>
+      <a:camera prst="orthographicFront"/>
+      <a:lightRig rig="threePt" dir="t"/>
+    </dgm:scene3d>
+    <dgm:sp3d/>
+    <dgm:txPr/>
+    <dgm:style>
+      <a:lnRef idx="0">
+        <a:scrgbClr r="0" g="0" b="0"/>
+      </a:lnRef>
+      <a:fillRef idx="3">
+        <a:scrgbClr r="0" g="0" b="0"/>
+      </a:fillRef>
+      <a:effectRef idx="3">
+        <a:scrgbClr r="0" g="0" b="0"/>
+      </a:effectRef>
+      <a:fontRef idx="minor">
+        <a:schemeClr val="lt1"/>
+      </a:fontRef>
+    </dgm:style>
+  </dgm:styleLbl>
+  <dgm:styleLbl name="fgImgPlace1">
+    <dgm:scene3d>
+      <a:camera prst="orthographicFront"/>
+      <a:lightRig rig="threePt" dir="t"/>
+    </dgm:scene3d>
+    <dgm:sp3d/>
+    <dgm:txPr/>
+    <dgm:style>
+      <a:lnRef idx="0">
+        <a:scrgbClr r="0" g="0" b="0"/>
+      </a:lnRef>
+      <a:fillRef idx="1">
+        <a:scrgbClr r="0" g="0" b="0"/>
+      </a:fillRef>
+      <a:effectRef idx="3">
+        <a:scrgbClr r="0" g="0" b="0"/>
+      </a:effectRef>
+      <a:fontRef idx="minor"/>
+    </dgm:style>
+  </dgm:styleLbl>
+  <dgm:styleLbl name="alignImgPlace1">
+    <dgm:scene3d>
+      <a:camera prst="orthographicFront"/>
+      <a:lightRig rig="threePt" dir="t"/>
+    </dgm:scene3d>
+    <dgm:sp3d/>
+    <dgm:txPr/>
+    <dgm:style>
+      <a:lnRef idx="0">
+        <a:scrgbClr r="0" g="0" b="0"/>
+      </a:lnRef>
+      <a:fillRef idx="1">
+        <a:scrgbClr r="0" g="0" b="0"/>
+      </a:fillRef>
+      <a:effectRef idx="3">
+        <a:scrgbClr r="0" g="0" b="0"/>
+      </a:effectRef>
+      <a:fontRef idx="minor"/>
+    </dgm:style>
+  </dgm:styleLbl>
+  <dgm:styleLbl name="bgImgPlace1">
+    <dgm:scene3d>
+      <a:camera prst="orthographicFront"/>
+      <a:lightRig rig="threePt" dir="t"/>
+    </dgm:scene3d>
+    <dgm:sp3d/>
+    <dgm:txPr/>
+    <dgm:style>
+      <a:lnRef idx="0">
+        <a:scrgbClr r="0" g="0" b="0"/>
+      </a:lnRef>
+      <a:fillRef idx="1">
+        <a:scrgbClr r="0" g="0" b="0"/>
+      </a:fillRef>
+      <a:effectRef idx="3">
+        <a:scrgbClr r="0" g="0" b="0"/>
+      </a:effectRef>
+      <a:fontRef idx="minor"/>
+    </dgm:style>
+  </dgm:styleLbl>
+  <dgm:styleLbl name="sibTrans2D1">
+    <dgm:scene3d>
+      <a:camera prst="orthographicFront"/>
+      <a:lightRig rig="threePt" dir="t"/>
+    </dgm:scene3d>
+    <dgm:sp3d/>
+    <dgm:txPr/>
+    <dgm:style>
+      <a:lnRef idx="0">
+        <a:scrgbClr r="0" g="0" b="0"/>
+      </a:lnRef>
+      <a:fillRef idx="3">
+        <a:scrgbClr r="0" g="0" b="0"/>
+      </a:fillRef>
+      <a:effectRef idx="3">
+        <a:scrgbClr r="0" g="0" b="0"/>
+      </a:effectRef>
+      <a:fontRef idx="minor">
+        <a:schemeClr val="lt1"/>
+      </a:fontRef>
+    </dgm:style>
+  </dgm:styleLbl>
+  <dgm:styleLbl name="fgSibTrans2D1">
+    <dgm:scene3d>
+      <a:camera prst="orthographicFront"/>
+      <a:lightRig rig="threePt" dir="t"/>
+    </dgm:scene3d>
+    <dgm:sp3d/>
+    <dgm:txPr/>
+    <dgm:style>
+      <a:lnRef idx="0">
+        <a:scrgbClr r="0" g="0" b="0"/>
+      </a:lnRef>
+      <a:fillRef idx="3">
+        <a:scrgbClr r="0" g="0" b="0"/>
+      </a:fillRef>
+      <a:effectRef idx="3">
+        <a:scrgbClr r="0" g="0" b="0"/>
+      </a:effectRef>
+      <a:fontRef idx="minor">
+        <a:schemeClr val="lt1"/>
+      </a:fontRef>
+    </dgm:style>
+  </dgm:styleLbl>
+  <dgm:styleLbl name="bgSibTrans2D1">
+    <dgm:scene3d>
+      <a:camera prst="orthographicFront"/>
+      <a:lightRig rig="threePt" dir="t"/>
+    </dgm:scene3d>
+    <dgm:sp3d/>
+    <dgm:txPr/>
+    <dgm:style>
+      <a:lnRef idx="0">
+        <a:scrgbClr r="0" g="0" b="0"/>
+      </a:lnRef>
+      <a:fillRef idx="3">
+        <a:scrgbClr r="0" g="0" b="0"/>
+      </a:fillRef>
+      <a:effectRef idx="3">
+        <a:scrgbClr r="0" g="0" b="0"/>
+      </a:effectRef>
+      <a:fontRef idx="minor">
+        <a:schemeClr val="lt1"/>
+      </a:fontRef>
+    </dgm:style>
+  </dgm:styleLbl>
+  <dgm:styleLbl name="sibTrans1D1">
+    <dgm:scene3d>
+      <a:camera prst="orthographicFront"/>
+      <a:lightRig rig="threePt" dir="t"/>
+    </dgm:scene3d>
+    <dgm:sp3d/>
+    <dgm:txPr/>
+    <dgm:style>
+      <a:lnRef idx="1">
+        <a:scrgbClr r="0" g="0" b="0"/>
+      </a:lnRef>
+      <a:fillRef idx="0">
+        <a:scrgbClr r="0" g="0" b="0"/>
+      </a:fillRef>
+      <a:effectRef idx="0">
+        <a:scrgbClr r="0" g="0" b="0"/>
+      </a:effectRef>
+      <a:fontRef idx="minor"/>
+    </dgm:style>
+  </dgm:styleLbl>
+  <dgm:styleLbl name="callout">
+    <dgm:scene3d>
+      <a:camera prst="orthographicFront"/>
+      <a:lightRig rig="threePt" dir="t"/>
+    </dgm:scene3d>
+    <dgm:sp3d/>
+    <dgm:txPr/>
+    <dgm:style>
+      <a:lnRef idx="1">
+        <a:scrgbClr r="0" g="0" b="0"/>
+      </a:lnRef>
+      <a:fillRef idx="0">
+        <a:scrgbClr r="0" g="0" b="0"/>
+      </a:fillRef>
+      <a:effectRef idx="1">
+        <a:scrgbClr r="0" g="0" b="0"/>
+      </a:effectRef>
+      <a:fontRef idx="minor"/>
+    </dgm:style>
+  </dgm:styleLbl>
+  <dgm:styleLbl name="asst0">
+    <dgm:scene3d>
+      <a:camera prst="orthographicFront"/>
+      <a:lightRig rig="threePt" dir="t"/>
+    </dgm:scene3d>
+    <dgm:sp3d/>
+    <dgm:txPr/>
+    <dgm:style>
+      <a:lnRef idx="0">
+        <a:scrgbClr r="0" g="0" b="0"/>
+      </a:lnRef>
+      <a:fillRef idx="3">
+        <a:scrgbClr r="0" g="0" b="0"/>
+      </a:fillRef>
+      <a:effectRef idx="3">
+        <a:scrgbClr r="0" g="0" b="0"/>
+      </a:effectRef>
+      <a:fontRef idx="minor">
+        <a:schemeClr val="lt1"/>
+      </a:fontRef>
+    </dgm:style>
+  </dgm:styleLbl>
+  <dgm:styleLbl name="asst1">
+    <dgm:scene3d>
+      <a:camera prst="orthographicFront"/>
+      <a:lightRig rig="threePt" dir="t"/>
+    </dgm:scene3d>
+    <dgm:sp3d/>
+    <dgm:txPr/>
+    <dgm:style>
+      <a:lnRef idx="0">
+        <a:scrgbClr r="0" g="0" b="0"/>
+      </a:lnRef>
+      <a:fillRef idx="3">
+        <a:scrgbClr r="0" g="0" b="0"/>
+      </a:fillRef>
+      <a:effectRef idx="3">
+        <a:scrgbClr r="0" g="0" b="0"/>
+      </a:effectRef>
+      <a:fontRef idx="minor">
+        <a:schemeClr val="lt1"/>
+      </a:fontRef>
+    </dgm:style>
+  </dgm:styleLbl>
+  <dgm:styleLbl name="asst2">
+    <dgm:scene3d>
+      <a:camera prst="orthographicFront"/>
+      <a:lightRig rig="threePt" dir="t"/>
+    </dgm:scene3d>
+    <dgm:sp3d/>
+    <dgm:txPr/>
+    <dgm:style>
+      <a:lnRef idx="0">
+        <a:scrgbClr r="0" g="0" b="0"/>
+      </a:lnRef>
+      <a:fillRef idx="3">
+        <a:scrgbClr r="0" g="0" b="0"/>
+      </a:fillRef>
+      <a:effectRef idx="3">
+        <a:scrgbClr r="0" g="0" b="0"/>
+      </a:effectRef>
+      <a:fontRef idx="minor">
+        <a:schemeClr val="lt1"/>
+      </a:fontRef>
+    </dgm:style>
+  </dgm:styleLbl>
+  <dgm:styleLbl name="asst3">
+    <dgm:scene3d>
+      <a:camera prst="orthographicFront"/>
+      <a:lightRig rig="threePt" dir="t"/>
+    </dgm:scene3d>
+    <dgm:sp3d/>
+    <dgm:txPr/>
+    <dgm:style>
+      <a:lnRef idx="0">
+        <a:scrgbClr r="0" g="0" b="0"/>
+      </a:lnRef>
+      <a:fillRef idx="3">
+        <a:scrgbClr r="0" g="0" b="0"/>
+      </a:fillRef>
+      <a:effectRef idx="3">
+        <a:scrgbClr r="0" g="0" b="0"/>
+      </a:effectRef>
+      <a:fontRef idx="minor">
+        <a:schemeClr val="lt1"/>
+      </a:fontRef>
+    </dgm:style>
+  </dgm:styleLbl>
+  <dgm:styleLbl name="asst4">
+    <dgm:scene3d>
+      <a:camera prst="orthographicFront"/>
+      <a:lightRig rig="threePt" dir="t"/>
+    </dgm:scene3d>
+    <dgm:sp3d/>
+    <dgm:txPr/>
+    <dgm:style>
+      <a:lnRef idx="0">
+        <a:scrgbClr r="0" g="0" b="0"/>
+      </a:lnRef>
+      <a:fillRef idx="3">
+        <a:scrgbClr r="0" g="0" b="0"/>
+      </a:fillRef>
+      <a:effectRef idx="3">
+        <a:scrgbClr r="0" g="0" b="0"/>
+      </a:effectRef>
+      <a:fontRef idx="minor">
+        <a:schemeClr val="lt1"/>
+      </a:fontRef>
+    </dgm:style>
+  </dgm:styleLbl>
+  <dgm:styleLbl name="parChTrans2D1">
+    <dgm:scene3d>
+      <a:camera prst="orthographicFront"/>
+      <a:lightRig rig="threePt" dir="t"/>
+    </dgm:scene3d>
+    <dgm:sp3d/>
+    <dgm:txPr/>
+    <dgm:style>
+      <a:lnRef idx="0">
+        <a:scrgbClr r="0" g="0" b="0"/>
+      </a:lnRef>
+      <a:fillRef idx="3">
+        <a:scrgbClr r="0" g="0" b="0"/>
+      </a:fillRef>
+      <a:effectRef idx="3">
+        <a:scrgbClr r="0" g="0" b="0"/>
+      </a:effectRef>
+      <a:fontRef idx="minor">
+        <a:schemeClr val="lt1"/>
+      </a:fontRef>
+    </dgm:style>
+  </dgm:styleLbl>
+  <dgm:styleLbl name="parChTrans2D2">
+    <dgm:scene3d>
+      <a:camera prst="orthographicFront"/>
+      <a:lightRig rig="threePt" dir="t"/>
+    </dgm:scene3d>
+    <dgm:sp3d/>
+    <dgm:txPr/>
+    <dgm:style>
+      <a:lnRef idx="0">
+        <a:scrgbClr r="0" g="0" b="0"/>
+      </a:lnRef>
+      <a:fillRef idx="3">
+        <a:scrgbClr r="0" g="0" b="0"/>
+      </a:fillRef>
+      <a:effectRef idx="3">
+        <a:scrgbClr r="0" g="0" b="0"/>
+      </a:effectRef>
+      <a:fontRef idx="minor">
+        <a:schemeClr val="lt1"/>
+      </a:fontRef>
+    </dgm:style>
+  </dgm:styleLbl>
+  <dgm:styleLbl name="parChTrans2D3">
+    <dgm:scene3d>
+      <a:camera prst="orthographicFront"/>
+      <a:lightRig rig="threePt" dir="t"/>
+    </dgm:scene3d>
+    <dgm:sp3d/>
+    <dgm:txPr/>
+    <dgm:style>
+      <a:lnRef idx="0">
+        <a:scrgbClr r="0" g="0" b="0"/>
+      </a:lnRef>
+      <a:fillRef idx="3">
+        <a:scrgbClr r="0" g="0" b="0"/>
+      </a:fillRef>
+      <a:effectRef idx="3">
+        <a:scrgbClr r="0" g="0" b="0"/>
+      </a:effectRef>
+      <a:fontRef idx="minor">
+        <a:schemeClr val="lt1"/>
+      </a:fontRef>
+    </dgm:style>
+  </dgm:styleLbl>
+  <dgm:styleLbl name="parChTrans2D4">
+    <dgm:scene3d>
+      <a:camera prst="orthographicFront"/>
+      <a:lightRig rig="threePt" dir="t"/>
+    </dgm:scene3d>
+    <dgm:sp3d/>
+    <dgm:txPr/>
+    <dgm:style>
+      <a:lnRef idx="0">
+        <a:scrgbClr r="0" g="0" b="0"/>
+      </a:lnRef>
+      <a:fillRef idx="3">
+        <a:scrgbClr r="0" g="0" b="0"/>
+      </a:fillRef>
+      <a:effectRef idx="3">
+        <a:scrgbClr r="0" g="0" b="0"/>
+      </a:effectRef>
+      <a:fontRef idx="minor">
+        <a:schemeClr val="lt1"/>
+      </a:fontRef>
+    </dgm:style>
+  </dgm:styleLbl>
+  <dgm:styleLbl name="parChTrans1D1">
+    <dgm:scene3d>
+      <a:camera prst="orthographicFront"/>
+      <a:lightRig rig="threePt" dir="t"/>
+    </dgm:scene3d>
+    <dgm:sp3d/>
+    <dgm:txPr/>
+    <dgm:style>
+      <a:lnRef idx="2">
+        <a:scrgbClr r="0" g="0" b="0"/>
+      </a:lnRef>
+      <a:fillRef idx="0">
+        <a:scrgbClr r="0" g="0" b="0"/>
+      </a:fillRef>
+      <a:effectRef idx="0">
+        <a:scrgbClr r="0" g="0" b="0"/>
+      </a:effectRef>
+      <a:fontRef idx="minor"/>
+    </dgm:style>
+  </dgm:styleLbl>
+  <dgm:styleLbl name="parChTrans1D2">
+    <dgm:scene3d>
+      <a:camera prst="orthographicFront"/>
+      <a:lightRig rig="threePt" dir="t"/>
+    </dgm:scene3d>
+    <dgm:sp3d/>
+    <dgm:txPr/>
+    <dgm:style>
+      <a:lnRef idx="2">
+        <a:scrgbClr r="0" g="0" b="0"/>
+      </a:lnRef>
+      <a:fillRef idx="0">
+        <a:scrgbClr r="0" g="0" b="0"/>
+      </a:fillRef>
+      <a:effectRef idx="0">
+        <a:scrgbClr r="0" g="0" b="0"/>
+      </a:effectRef>
+      <a:fontRef idx="minor"/>
+    </dgm:style>
+  </dgm:styleLbl>
+  <dgm:styleLbl name="parChTrans1D3">
+    <dgm:scene3d>
+      <a:camera prst="orthographicFront"/>
+      <a:lightRig rig="threePt" dir="t"/>
+    </dgm:scene3d>
+    <dgm:sp3d/>
+    <dgm:txPr/>
+    <dgm:style>
+      <a:lnRef idx="2">
+        <a:scrgbClr r="0" g="0" b="0"/>
+      </a:lnRef>
+      <a:fillRef idx="0">
+        <a:scrgbClr r="0" g="0" b="0"/>
+      </a:fillRef>
+      <a:effectRef idx="0">
+        <a:scrgbClr r="0" g="0" b="0"/>
+      </a:effectRef>
+      <a:fontRef idx="minor"/>
+    </dgm:style>
+  </dgm:styleLbl>
+  <dgm:styleLbl name="parChTrans1D4">
+    <dgm:scene3d>
+      <a:camera prst="orthographicFront"/>
+      <a:lightRig rig="threePt" dir="t"/>
+    </dgm:scene3d>
+    <dgm:sp3d/>
+    <dgm:txPr/>
+    <dgm:style>
+      <a:lnRef idx="2">
+        <a:scrgbClr r="0" g="0" b="0"/>
+      </a:lnRef>
+      <a:fillRef idx="0">
+        <a:scrgbClr r="0" g="0" b="0"/>
+      </a:fillRef>
+      <a:effectRef idx="0">
+        <a:scrgbClr r="0" g="0" b="0"/>
+      </a:effectRef>
+      <a:fontRef idx="minor"/>
+    </dgm:style>
+  </dgm:styleLbl>
+  <dgm:styleLbl name="fgAcc1">
+    <dgm:scene3d>
+      <a:camera prst="orthographicFront"/>
+      <a:lightRig rig="threePt" dir="t"/>
+    </dgm:scene3d>
+    <dgm:sp3d/>
+    <dgm:txPr/>
+    <dgm:style>
+      <a:lnRef idx="1">
+        <a:scrgbClr r="0" g="0" b="0"/>
+      </a:lnRef>
+      <a:fillRef idx="1">
+        <a:scrgbClr r="0" g="0" b="0"/>
+      </a:fillRef>
+      <a:effectRef idx="2">
+        <a:scrgbClr r="0" g="0" b="0"/>
+      </a:effectRef>
+      <a:fontRef idx="minor"/>
+    </dgm:style>
+  </dgm:styleLbl>
+  <dgm:styleLbl name="conFgAcc1">
+    <dgm:scene3d>
+      <a:camera prst="orthographicFront"/>
+      <a:lightRig rig="threePt" dir="t"/>
+    </dgm:scene3d>
+    <dgm:sp3d/>
+    <dgm:txPr/>
+    <dgm:style>
+      <a:lnRef idx="1">
+        <a:scrgbClr r="0" g="0" b="0"/>
+      </a:lnRef>
+      <a:fillRef idx="1">
+        <a:scrgbClr r="0" g="0" b="0"/>
+      </a:fillRef>
+      <a:effectRef idx="2">
+        <a:scrgbClr r="0" g="0" b="0"/>
+      </a:effectRef>
+      <a:fontRef idx="minor"/>
+    </dgm:style>
+  </dgm:styleLbl>
+  <dgm:styleLbl name="alignAcc1">
+    <dgm:scene3d>
+      <a:camera prst="orthographicFront"/>
+      <a:lightRig rig="threePt" dir="t"/>
+    </dgm:scene3d>
+    <dgm:sp3d/>
+    <dgm:txPr/>
+    <dgm:style>
+      <a:lnRef idx="1">
+        <a:scrgbClr r="0" g="0" b="0"/>
+      </a:lnRef>
+      <a:fillRef idx="1">
+        <a:scrgbClr r="0" g="0" b="0"/>
+      </a:fillRef>
+      <a:effectRef idx="2">
+        <a:scrgbClr r="0" g="0" b="0"/>
+      </a:effectRef>
+      <a:fontRef idx="minor"/>
+    </dgm:style>
+  </dgm:styleLbl>
+  <dgm:styleLbl name="trAlignAcc1">
+    <dgm:scene3d>
+      <a:camera prst="orthographicFront"/>
+      <a:lightRig rig="threePt" dir="t"/>
+    </dgm:scene3d>
+    <dgm:sp3d/>
+    <dgm:txPr/>
+    <dgm:style>
+      <a:lnRef idx="1">
+        <a:scrgbClr r="0" g="0" b="0"/>
+      </a:lnRef>
+      <a:fillRef idx="1">
+        <a:scrgbClr r="0" g="0" b="0"/>
+      </a:fillRef>
+      <a:effectRef idx="0">
+        <a:scrgbClr r="0" g="0" b="0"/>
+      </a:effectRef>
+      <a:fontRef idx="minor"/>
+    </dgm:style>
+  </dgm:styleLbl>
+  <dgm:styleLbl name="bgAcc1">
+    <dgm:scene3d>
+      <a:camera prst="orthographicFront"/>
+      <a:lightRig rig="threePt" dir="t"/>
+    </dgm:scene3d>
+    <dgm:sp3d/>
+    <dgm:txPr/>
+    <dgm:style>
+      <a:lnRef idx="1">
+        <a:scrgbClr r="0" g="0" b="0"/>
+      </a:lnRef>
+      <a:fillRef idx="1">
+        <a:scrgbClr r="0" g="0" b="0"/>
+      </a:fillRef>
+      <a:effectRef idx="2">
+        <a:scrgbClr r="0" g="0" b="0"/>
+      </a:effectRef>
+      <a:fontRef idx="minor"/>
+    </dgm:style>
+  </dgm:styleLbl>
+  <dgm:styleLbl name="solidFgAcc1">
+    <dgm:scene3d>
+      <a:camera prst="orthographicFront"/>
+      <a:lightRig rig="threePt" dir="t"/>
+    </dgm:scene3d>
+    <dgm:sp3d/>
+    <dgm:txPr/>
+    <dgm:style>
+      <a:lnRef idx="1">
+        <a:scrgbClr r="0" g="0" b="0"/>
+      </a:lnRef>
+      <a:fillRef idx="1">
+        <a:scrgbClr r="0" g="0" b="0"/>
+      </a:fillRef>
+      <a:effectRef idx="2">
+        <a:scrgbClr r="0" g="0" b="0"/>
+      </a:effectRef>
+      <a:fontRef idx="minor"/>
+    </dgm:style>
+  </dgm:styleLbl>
+  <dgm:styleLbl name="solidAlignAcc1">
+    <dgm:scene3d>
+      <a:camera prst="orthographicFront"/>
+      <a:lightRig rig="threePt" dir="t"/>
+    </dgm:scene3d>
+    <dgm:sp3d/>
+    <dgm:txPr/>
+    <dgm:style>
+      <a:lnRef idx="1">
+        <a:scrgbClr r="0" g="0" b="0"/>
+      </a:lnRef>
+      <a:fillRef idx="1">
+        <a:scrgbClr r="0" g="0" b="0"/>
+      </a:fillRef>
+      <a:effectRef idx="3">
+        <a:scrgbClr r="0" g="0" b="0"/>
+      </a:effectRef>
+      <a:fontRef idx="minor"/>
+    </dgm:style>
+  </dgm:styleLbl>
+  <dgm:styleLbl name="solidBgAcc1">
+    <dgm:scene3d>
+      <a:camera prst="orthographicFront"/>
+      <a:lightRig rig="threePt" dir="t"/>
+    </dgm:scene3d>
+    <dgm:sp3d/>
+    <dgm:txPr/>
+    <dgm:style>
+      <a:lnRef idx="1">
+        <a:scrgbClr r="0" g="0" b="0"/>
+      </a:lnRef>
+      <a:fillRef idx="1">
+        <a:scrgbClr r="0" g="0" b="0"/>
+      </a:fillRef>
+      <a:effectRef idx="3">
+        <a:scrgbClr r="0" g="0" b="0"/>
+      </a:effectRef>
+      <a:fontRef idx="minor"/>
+    </dgm:style>
+  </dgm:styleLbl>
+  <dgm:styleLbl name="fgAccFollowNode1">
+    <dgm:scene3d>
+      <a:camera prst="orthographicFront"/>
+      <a:lightRig rig="threePt" dir="t"/>
+    </dgm:scene3d>
+    <dgm:sp3d/>
+    <dgm:txPr/>
+    <dgm:style>
+      <a:lnRef idx="1">
+        <a:scrgbClr r="0" g="0" b="0"/>
+      </a:lnRef>
+      <a:fillRef idx="1">
+        <a:scrgbClr r="0" g="0" b="0"/>
+      </a:fillRef>
+      <a:effectRef idx="2">
+        <a:scrgbClr r="0" g="0" b="0"/>
+      </a:effectRef>
+      <a:fontRef idx="minor"/>
+    </dgm:style>
+  </dgm:styleLbl>
+  <dgm:styleLbl name="alignAccFollowNode1">
+    <dgm:scene3d>
+      <a:camera prst="orthographicFront"/>
+      <a:lightRig rig="threePt" dir="t"/>
+    </dgm:scene3d>
+    <dgm:sp3d/>
+    <dgm:txPr/>
+    <dgm:style>
+      <a:lnRef idx="1">
+        <a:scrgbClr r="0" g="0" b="0"/>
+      </a:lnRef>
+      <a:fillRef idx="1">
+        <a:scrgbClr r="0" g="0" b="0"/>
+      </a:fillRef>
+      <a:effectRef idx="2">
+        <a:scrgbClr r="0" g="0" b="0"/>
+      </a:effectRef>
+      <a:fontRef idx="minor"/>
+    </dgm:style>
+  </dgm:styleLbl>
+  <dgm:styleLbl name="bgAccFollowNode1">
+    <dgm:scene3d>
+      <a:camera prst="orthographicFront"/>
+      <a:lightRig rig="threePt" dir="t"/>
+    </dgm:scene3d>
+    <dgm:sp3d/>
+    <dgm:txPr/>
+    <dgm:style>
+      <a:lnRef idx="1">
+        <a:scrgbClr r="0" g="0" b="0"/>
+      </a:lnRef>
+      <a:fillRef idx="1">
+        <a:scrgbClr r="0" g="0" b="0"/>
+      </a:fillRef>
+      <a:effectRef idx="2">
+        <a:scrgbClr r="0" g="0" b="0"/>
+      </a:effectRef>
+      <a:fontRef idx="minor"/>
+    </dgm:style>
+  </dgm:styleLbl>
+  <dgm:styleLbl name="fgAcc0">
+    <dgm:scene3d>
+      <a:camera prst="orthographicFront"/>
+      <a:lightRig rig="threePt" dir="t"/>
+    </dgm:scene3d>
+    <dgm:sp3d/>
+    <dgm:txPr/>
+    <dgm:style>
+      <a:lnRef idx="1">
+        <a:scrgbClr r="0" g="0" b="0"/>
+      </a:lnRef>
+      <a:fillRef idx="1">
+        <a:scrgbClr r="0" g="0" b="0"/>
+      </a:fillRef>
+      <a:effectRef idx="2">
+        <a:scrgbClr r="0" g="0" b="0"/>
+      </a:effectRef>
+      <a:fontRef idx="minor"/>
+    </dgm:style>
+  </dgm:styleLbl>
+  <dgm:styleLbl name="fgAcc2">
+    <dgm:scene3d>
+      <a:camera prst="orthographicFront"/>
+      <a:lightRig rig="threePt" dir="t"/>
+    </dgm:scene3d>
+    <dgm:sp3d/>
+    <dgm:txPr/>
+    <dgm:style>
+      <a:lnRef idx="1">
+        <a:scrgbClr r="0" g="0" b="0"/>
+      </a:lnRef>
+      <a:fillRef idx="1">
+        <a:scrgbClr r="0" g="0" b="0"/>
+      </a:fillRef>
+      <a:effectRef idx="2">
+        <a:scrgbClr r="0" g="0" b="0"/>
+      </a:effectRef>
+      <a:fontRef idx="minor"/>
+    </dgm:style>
+  </dgm:styleLbl>
+  <dgm:styleLbl name="fgAcc3">
+    <dgm:scene3d>
+      <a:camera prst="orthographicFront"/>
+      <a:lightRig rig="threePt" dir="t"/>
+    </dgm:scene3d>
+    <dgm:sp3d/>
+    <dgm:txPr/>
+    <dgm:style>
+      <a:lnRef idx="1">
+        <a:scrgbClr r="0" g="0" b="0"/>
+      </a:lnRef>
+      <a:fillRef idx="1">
+        <a:scrgbClr r="0" g="0" b="0"/>
+      </a:fillRef>
+      <a:effectRef idx="2">
+        <a:scrgbClr r="0" g="0" b="0"/>
+      </a:effectRef>
+      <a:fontRef idx="minor"/>
+    </dgm:style>
+  </dgm:styleLbl>
+  <dgm:styleLbl name="fgAcc4">
+    <dgm:scene3d>
+      <a:camera prst="orthographicFront"/>
+      <a:lightRig rig="threePt" dir="t"/>
+    </dgm:scene3d>
+    <dgm:sp3d/>
+    <dgm:txPr/>
+    <dgm:style>
+      <a:lnRef idx="1">
+        <a:scrgbClr r="0" g="0" b="0"/>
+      </a:lnRef>
+      <a:fillRef idx="1">
+        <a:scrgbClr r="0" g="0" b="0"/>
+      </a:fillRef>
+      <a:effectRef idx="2">
+        <a:scrgbClr r="0" g="0" b="0"/>
+      </a:effectRef>
+      <a:fontRef idx="minor"/>
+    </dgm:style>
+  </dgm:styleLbl>
+  <dgm:styleLbl name="bgShp">
+    <dgm:scene3d>
+      <a:camera prst="orthographicFront"/>
+      <a:lightRig rig="threePt" dir="t"/>
+    </dgm:scene3d>
+    <dgm:sp3d/>
+    <dgm:txPr/>
+    <dgm:style>
+      <a:lnRef idx="0">
+        <a:scrgbClr r="0" g="0" b="0"/>
+      </a:lnRef>
+      <a:fillRef idx="1">
+        <a:scrgbClr r="0" g="0" b="0"/>
+      </a:fillRef>
+      <a:effectRef idx="2">
+        <a:scrgbClr r="0" g="0" b="0"/>
+      </a:effectRef>
+      <a:fontRef idx="minor"/>
+    </dgm:style>
+  </dgm:styleLbl>
+  <dgm:styleLbl name="dkBgShp">
+    <dgm:scene3d>
+      <a:camera prst="orthographicFront"/>
+      <a:lightRig rig="threePt" dir="t"/>
+    </dgm:scene3d>
+    <dgm:sp3d/>
+    <dgm:txPr/>
+    <dgm:style>
+      <a:lnRef idx="0">
+        <a:scrgbClr r="0" g="0" b="0"/>
+      </a:lnRef>
+      <a:fillRef idx="1">
+        <a:scrgbClr r="0" g="0" b="0"/>
+      </a:fillRef>
+      <a:effectRef idx="3">
+        <a:scrgbClr r="0" g="0" b="0"/>
+      </a:effectRef>
+      <a:fontRef idx="minor"/>
+    </dgm:style>
+  </dgm:styleLbl>
+  <dgm:styleLbl name="trBgShp">
+    <dgm:scene3d>
+      <a:camera prst="orthographicFront"/>
+      <a:lightRig rig="threePt" dir="t"/>
+    </dgm:scene3d>
+    <dgm:sp3d/>
+    <dgm:txPr/>
+    <dgm:style>
+      <a:lnRef idx="0">
+        <a:scrgbClr r="0" g="0" b="0"/>
+      </a:lnRef>
+      <a:fillRef idx="1">
+        <a:scrgbClr r="0" g="0" b="0"/>
+      </a:fillRef>
+      <a:effectRef idx="0">
+        <a:scrgbClr r="0" g="0" b="0"/>
+      </a:effectRef>
+      <a:fontRef idx="minor"/>
+    </dgm:style>
+  </dgm:styleLbl>
+  <dgm:styleLbl name="fgShp">
+    <dgm:scene3d>
+      <a:camera prst="orthographicFront"/>
+      <a:lightRig rig="threePt" dir="t"/>
+    </dgm:scene3d>
+    <dgm:sp3d/>
+    <dgm:txPr/>
+    <dgm:style>
+      <a:lnRef idx="0">
+        <a:scrgbClr r="0" g="0" b="0"/>
+      </a:lnRef>
+      <a:fillRef idx="3">
+        <a:scrgbClr r="0" g="0" b="0"/>
+      </a:fillRef>
+      <a:effectRef idx="3">
+        <a:scrgbClr r="0" g="0" b="0"/>
+      </a:effectRef>
+      <a:fontRef idx="minor"/>
+    </dgm:style>
+  </dgm:styleLbl>
+  <dgm:styleLbl name="revTx">
+    <dgm:scene3d>
+      <a:camera prst="orthographicFront"/>
+      <a:lightRig rig="threePt" dir="t"/>
+    </dgm:scene3d>
+    <dgm:sp3d/>
+    <dgm:txPr/>
+    <dgm:style>
+      <a:lnRef idx="0">
+        <a:scrgbClr r="0" g="0" b="0"/>
+      </a:lnRef>
+      <a:fillRef idx="0">
+        <a:scrgbClr r="0" g="0" b="0"/>
+      </a:fillRef>
+      <a:effectRef idx="0">
+        <a:scrgbClr r="0" g="0" b="0"/>
+      </a:effectRef>
+      <a:fontRef idx="minor"/>
+    </dgm:style>
+  </dgm:styleLbl>
+</dgm:styleDef>
+</file>
+
 <file path=ppt/diagrams/quickStyle2.xml><?xml version="1.0" encoding="utf-8"?>
 <dgm:styleDef xmlns:dgm="http://schemas.openxmlformats.org/drawingml/2006/diagram" xmlns:a="http://schemas.openxmlformats.org/drawingml/2006/main" uniqueId="urn:microsoft.com/office/officeart/2005/8/quickstyle/simple5">
   <dgm:title val=""/>
@@ -24597,7 +27047,7 @@
           <a:p>
             <a:fld id="{6F863FF5-5640-4E1F-A6B1-2019BEDD815C}" type="datetimeFigureOut">
               <a:rPr lang="es-CL" smtClean="0"/>
-              <a:t>11-12-2020</a:t>
+              <a:t>15-12-2020</a:t>
             </a:fld>
             <a:endParaRPr lang="es-CL"/>
           </a:p>
@@ -24797,7 +27247,7 @@
           <a:p>
             <a:fld id="{6F863FF5-5640-4E1F-A6B1-2019BEDD815C}" type="datetimeFigureOut">
               <a:rPr lang="es-CL" smtClean="0"/>
-              <a:t>11-12-2020</a:t>
+              <a:t>15-12-2020</a:t>
             </a:fld>
             <a:endParaRPr lang="es-CL"/>
           </a:p>
@@ -25007,7 +27457,7 @@
           <a:p>
             <a:fld id="{6F863FF5-5640-4E1F-A6B1-2019BEDD815C}" type="datetimeFigureOut">
               <a:rPr lang="es-CL" smtClean="0"/>
-              <a:t>11-12-2020</a:t>
+              <a:t>15-12-2020</a:t>
             </a:fld>
             <a:endParaRPr lang="es-CL"/>
           </a:p>
@@ -25207,7 +27657,7 @@
           <a:p>
             <a:fld id="{6F863FF5-5640-4E1F-A6B1-2019BEDD815C}" type="datetimeFigureOut">
               <a:rPr lang="es-CL" smtClean="0"/>
-              <a:t>11-12-2020</a:t>
+              <a:t>15-12-2020</a:t>
             </a:fld>
             <a:endParaRPr lang="es-CL"/>
           </a:p>
@@ -25483,7 +27933,7 @@
           <a:p>
             <a:fld id="{6F863FF5-5640-4E1F-A6B1-2019BEDD815C}" type="datetimeFigureOut">
               <a:rPr lang="es-CL" smtClean="0"/>
-              <a:t>11-12-2020</a:t>
+              <a:t>15-12-2020</a:t>
             </a:fld>
             <a:endParaRPr lang="es-CL"/>
           </a:p>
@@ -25751,7 +28201,7 @@
           <a:p>
             <a:fld id="{6F863FF5-5640-4E1F-A6B1-2019BEDD815C}" type="datetimeFigureOut">
               <a:rPr lang="es-CL" smtClean="0"/>
-              <a:t>11-12-2020</a:t>
+              <a:t>15-12-2020</a:t>
             </a:fld>
             <a:endParaRPr lang="es-CL"/>
           </a:p>
@@ -26166,7 +28616,7 @@
           <a:p>
             <a:fld id="{6F863FF5-5640-4E1F-A6B1-2019BEDD815C}" type="datetimeFigureOut">
               <a:rPr lang="es-CL" smtClean="0"/>
-              <a:t>11-12-2020</a:t>
+              <a:t>15-12-2020</a:t>
             </a:fld>
             <a:endParaRPr lang="es-CL"/>
           </a:p>
@@ -26308,7 +28758,7 @@
           <a:p>
             <a:fld id="{6F863FF5-5640-4E1F-A6B1-2019BEDD815C}" type="datetimeFigureOut">
               <a:rPr lang="es-CL" smtClean="0"/>
-              <a:t>11-12-2020</a:t>
+              <a:t>15-12-2020</a:t>
             </a:fld>
             <a:endParaRPr lang="es-CL"/>
           </a:p>
@@ -26421,7 +28871,7 @@
           <a:p>
             <a:fld id="{6F863FF5-5640-4E1F-A6B1-2019BEDD815C}" type="datetimeFigureOut">
               <a:rPr lang="es-CL" smtClean="0"/>
-              <a:t>11-12-2020</a:t>
+              <a:t>15-12-2020</a:t>
             </a:fld>
             <a:endParaRPr lang="es-CL"/>
           </a:p>
@@ -26734,7 +29184,7 @@
           <a:p>
             <a:fld id="{6F863FF5-5640-4E1F-A6B1-2019BEDD815C}" type="datetimeFigureOut">
               <a:rPr lang="es-CL" smtClean="0"/>
-              <a:t>11-12-2020</a:t>
+              <a:t>15-12-2020</a:t>
             </a:fld>
             <a:endParaRPr lang="es-CL"/>
           </a:p>
@@ -27023,7 +29473,7 @@
           <a:p>
             <a:fld id="{6F863FF5-5640-4E1F-A6B1-2019BEDD815C}" type="datetimeFigureOut">
               <a:rPr lang="es-CL" smtClean="0"/>
-              <a:t>11-12-2020</a:t>
+              <a:t>15-12-2020</a:t>
             </a:fld>
             <a:endParaRPr lang="es-CL"/>
           </a:p>
@@ -27266,7 +29716,7 @@
           <a:p>
             <a:fld id="{6F863FF5-5640-4E1F-A6B1-2019BEDD815C}" type="datetimeFigureOut">
               <a:rPr lang="es-CL" smtClean="0"/>
-              <a:t>11-12-2020</a:t>
+              <a:t>15-12-2020</a:t>
             </a:fld>
             <a:endParaRPr lang="es-CL"/>
           </a:p>
@@ -30051,6 +32501,718 @@
         </p:nvSpPr>
         <p:spPr>
           <a:xfrm>
+            <a:off x="598380" y="2191199"/>
+            <a:ext cx="4241241" cy="2108269"/>
+          </a:xfrm>
+          <a:prstGeom prst="rect">
+            <a:avLst/>
+          </a:prstGeom>
+          <a:noFill/>
+        </p:spPr>
+        <p:txBody>
+          <a:bodyPr wrap="square" rtlCol="0">
+            <a:spAutoFit/>
+          </a:bodyPr>
+          <a:lstStyle/>
+          <a:p>
+            <a:pPr>
+              <a:spcAft>
+                <a:spcPts val="600"/>
+              </a:spcAft>
+            </a:pPr>
+            <a:r>
+              <a:rPr lang="es-CL" dirty="0"/>
+              <a:t>Esta tabla tiene los </a:t>
+            </a:r>
+            <a:r>
+              <a:rPr lang="es-CL" dirty="0" err="1"/>
+              <a:t>volumes</a:t>
+            </a:r>
+            <a:r>
+              <a:rPr lang="es-CL" dirty="0"/>
+              <a:t> diarios por variedad, mercado mayorista /región) en kg y toneladas. También incluye los precios ($/malla o saco de 25 kg).</a:t>
+            </a:r>
+          </a:p>
+          <a:p>
+            <a:pPr>
+              <a:spcAft>
+                <a:spcPts val="600"/>
+              </a:spcAft>
+            </a:pPr>
+            <a:r>
+              <a:rPr lang="es-CL" dirty="0"/>
+              <a:t>Presentar los volúmenes diarios y semanales por región en </a:t>
+            </a:r>
+            <a:r>
+              <a:rPr lang="es-CL"/>
+              <a:t>mercado mayoristas</a:t>
+            </a:r>
+            <a:endParaRPr lang="es-CL" dirty="0"/>
+          </a:p>
+        </p:txBody>
+      </p:sp>
+      <p:sp>
+        <p:nvSpPr>
+          <p:cNvPr id="29" name="CuadroTexto 28">
+            <a:extLst>
+              <a:ext uri="{FF2B5EF4-FFF2-40B4-BE49-F238E27FC236}">
+                <a16:creationId xmlns:a16="http://schemas.microsoft.com/office/drawing/2014/main" id="{4765D351-3A45-47B5-8F7B-9109E34D80C9}"/>
+              </a:ext>
+            </a:extLst>
+          </p:cNvPr>
+          <p:cNvSpPr txBox="1"/>
+          <p:nvPr/>
+        </p:nvSpPr>
+        <p:spPr>
+          <a:xfrm>
+            <a:off x="598380" y="473247"/>
+            <a:ext cx="3484882" cy="907941"/>
+          </a:xfrm>
+          <a:prstGeom prst="rect">
+            <a:avLst/>
+          </a:prstGeom>
+          <a:solidFill>
+            <a:schemeClr val="tx1">
+              <a:lumMod val="65000"/>
+              <a:lumOff val="35000"/>
+            </a:schemeClr>
+          </a:solidFill>
+        </p:spPr>
+        <p:txBody>
+          <a:bodyPr wrap="square" rtlCol="0">
+            <a:spAutoFit/>
+          </a:bodyPr>
+          <a:lstStyle/>
+          <a:p>
+            <a:pPr>
+              <a:spcAft>
+                <a:spcPts val="600"/>
+              </a:spcAft>
+            </a:pPr>
+            <a:r>
+              <a:rPr lang="pt-BR" sz="1600" b="1" dirty="0">
+                <a:solidFill>
+                  <a:schemeClr val="bg1"/>
+                </a:solidFill>
+              </a:rPr>
+              <a:t>AGROSTAT</a:t>
+            </a:r>
+          </a:p>
+          <a:p>
+            <a:pPr>
+              <a:spcAft>
+                <a:spcPts val="600"/>
+              </a:spcAft>
+            </a:pPr>
+            <a:r>
+              <a:rPr lang="pt-BR" sz="1600" b="1" dirty="0">
+                <a:solidFill>
+                  <a:schemeClr val="bg1"/>
+                </a:solidFill>
+              </a:rPr>
+              <a:t>CULTIVO DE PAPA CHILE</a:t>
+            </a:r>
+            <a:br>
+              <a:rPr lang="pt-BR" sz="1600" b="1" dirty="0">
+                <a:solidFill>
+                  <a:schemeClr val="bg1"/>
+                </a:solidFill>
+              </a:rPr>
+            </a:br>
+            <a:r>
+              <a:rPr lang="pt-BR" sz="1600" b="1" dirty="0">
+                <a:solidFill>
+                  <a:schemeClr val="bg1"/>
+                </a:solidFill>
+              </a:rPr>
+              <a:t>(</a:t>
+            </a:r>
+            <a:r>
+              <a:rPr lang="pt-BR" sz="1600" b="1" dirty="0" err="1">
+                <a:solidFill>
+                  <a:schemeClr val="bg1"/>
+                </a:solidFill>
+              </a:rPr>
+              <a:t>Solanum</a:t>
+            </a:r>
+            <a:r>
+              <a:rPr lang="pt-BR" sz="1600" b="1" dirty="0">
+                <a:solidFill>
+                  <a:schemeClr val="bg1"/>
+                </a:solidFill>
+              </a:rPr>
+              <a:t> </a:t>
+            </a:r>
+            <a:r>
+              <a:rPr lang="pt-BR" sz="1600" b="1" dirty="0" err="1">
+                <a:solidFill>
+                  <a:schemeClr val="bg1"/>
+                </a:solidFill>
+              </a:rPr>
+              <a:t>tuberosum</a:t>
+            </a:r>
+            <a:r>
+              <a:rPr lang="pt-BR" sz="1600" b="1" dirty="0">
+                <a:solidFill>
+                  <a:schemeClr val="bg1"/>
+                </a:solidFill>
+              </a:rPr>
+              <a:t>)</a:t>
+            </a:r>
+            <a:endParaRPr lang="es-CL" sz="1600" dirty="0">
+              <a:solidFill>
+                <a:schemeClr val="bg1"/>
+              </a:solidFill>
+            </a:endParaRPr>
+          </a:p>
+        </p:txBody>
+      </p:sp>
+      <p:graphicFrame>
+        <p:nvGraphicFramePr>
+          <p:cNvPr id="21" name="Marcador de contenido 14">
+            <a:extLst>
+              <a:ext uri="{FF2B5EF4-FFF2-40B4-BE49-F238E27FC236}">
+                <a16:creationId xmlns:a16="http://schemas.microsoft.com/office/drawing/2014/main" id="{F833B683-42B4-41EB-81B3-337DA17A2D15}"/>
+              </a:ext>
+            </a:extLst>
+          </p:cNvPr>
+          <p:cNvGraphicFramePr>
+            <a:graphicFrameLocks/>
+          </p:cNvGraphicFramePr>
+          <p:nvPr>
+            <p:extLst>
+              <p:ext uri="{D42A27DB-BD31-4B8C-83A1-F6EECF244321}">
+                <p14:modId xmlns:p14="http://schemas.microsoft.com/office/powerpoint/2010/main" val="4275116999"/>
+              </p:ext>
+            </p:extLst>
+          </p:nvPr>
+        </p:nvGraphicFramePr>
+        <p:xfrm>
+          <a:off x="7566017" y="2499017"/>
+          <a:ext cx="3812299" cy="2931510"/>
+        </p:xfrm>
+        <a:graphic>
+          <a:graphicData uri="http://schemas.openxmlformats.org/drawingml/2006/diagram">
+            <dgm:relIds xmlns:dgm="http://schemas.openxmlformats.org/drawingml/2006/diagram" xmlns:r="http://schemas.openxmlformats.org/officeDocument/2006/relationships" r:dm="rId2" r:lo="rId3" r:qs="rId4" r:cs="rId5"/>
+          </a:graphicData>
+        </a:graphic>
+      </p:graphicFrame>
+      <p:sp>
+        <p:nvSpPr>
+          <p:cNvPr id="10" name="CuadroTexto 9">
+            <a:extLst>
+              <a:ext uri="{FF2B5EF4-FFF2-40B4-BE49-F238E27FC236}">
+                <a16:creationId xmlns:a16="http://schemas.microsoft.com/office/drawing/2014/main" id="{0ED2828B-B1C3-4662-9B95-22CB2F9DD4FB}"/>
+              </a:ext>
+            </a:extLst>
+          </p:cNvPr>
+          <p:cNvSpPr txBox="1"/>
+          <p:nvPr/>
+        </p:nvSpPr>
+        <p:spPr>
+          <a:xfrm>
+            <a:off x="6812988" y="5590265"/>
+            <a:ext cx="6096000" cy="369332"/>
+          </a:xfrm>
+          <a:prstGeom prst="rect">
+            <a:avLst/>
+          </a:prstGeom>
+          <a:noFill/>
+        </p:spPr>
+        <p:txBody>
+          <a:bodyPr wrap="square">
+            <a:spAutoFit/>
+          </a:bodyPr>
+          <a:lstStyle/>
+          <a:p>
+            <a:r>
+              <a:rPr lang="es-CL" dirty="0"/>
+              <a:t>volumen_dia_empresas_comuna_2018_2019</a:t>
+            </a:r>
+          </a:p>
+        </p:txBody>
+      </p:sp>
+    </p:spTree>
+    <p:extLst>
+      <p:ext uri="{BB962C8B-B14F-4D97-AF65-F5344CB8AC3E}">
+        <p14:creationId xmlns:p14="http://schemas.microsoft.com/office/powerpoint/2010/main" val="3261688937"/>
+      </p:ext>
+    </p:extLst>
+  </p:cSld>
+  <p:clrMapOvr>
+    <a:masterClrMapping/>
+  </p:clrMapOvr>
+</p:sld>
+</file>
+
+<file path=ppt/slides/slide13.xml><?xml version="1.0" encoding="utf-8"?>
+<p:sld xmlns:a="http://schemas.openxmlformats.org/drawingml/2006/main" xmlns:r="http://schemas.openxmlformats.org/officeDocument/2006/relationships" xmlns:p="http://schemas.openxmlformats.org/presentationml/2006/main">
+  <p:cSld>
+    <p:bg>
+      <p:bgPr>
+        <a:solidFill>
+          <a:schemeClr val="bg1"/>
+        </a:solidFill>
+        <a:effectLst/>
+      </p:bgPr>
+    </p:bg>
+    <p:spTree>
+      <p:nvGrpSpPr>
+        <p:cNvPr id="1" name=""/>
+        <p:cNvGrpSpPr/>
+        <p:nvPr/>
+      </p:nvGrpSpPr>
+      <p:grpSpPr>
+        <a:xfrm>
+          <a:off x="0" y="0"/>
+          <a:ext cx="0" cy="0"/>
+          <a:chOff x="0" y="0"/>
+          <a:chExt cx="0" cy="0"/>
+        </a:xfrm>
+      </p:grpSpPr>
+      <p:sp useBgFill="1">
+        <p:nvSpPr>
+          <p:cNvPr id="34" name="Rectangle 33">
+            <a:extLst>
+              <a:ext uri="{FF2B5EF4-FFF2-40B4-BE49-F238E27FC236}">
+                <a16:creationId xmlns:a16="http://schemas.microsoft.com/office/drawing/2014/main" id="{02E612C7-B066-4023-9D0A-7C54D1E33070}"/>
+              </a:ext>
+              <a:ext uri="{C183D7F6-B498-43B3-948B-1728B52AA6E4}">
+                <adec:decorative xmlns:adec="http://schemas.microsoft.com/office/drawing/2017/decorative" val="1"/>
+              </a:ext>
+            </a:extLst>
+          </p:cNvPr>
+          <p:cNvSpPr>
+            <a:spLocks noGrp="1" noRot="1" noChangeAspect="1" noMove="1" noResize="1" noEditPoints="1" noAdjustHandles="1" noChangeArrowheads="1" noChangeShapeType="1" noTextEdit="1"/>
+          </p:cNvSpPr>
+          <p:nvPr>
+            <p:extLst>
+              <p:ext uri="{386F3935-93C4-4BCD-93E2-E3B085C9AB24}">
+                <p16:designElem xmlns:p16="http://schemas.microsoft.com/office/powerpoint/2015/main" val="1"/>
+              </p:ext>
+            </p:extLst>
+          </p:nvPr>
+        </p:nvSpPr>
+        <p:spPr>
+          <a:xfrm>
+            <a:off x="0" y="0"/>
+            <a:ext cx="12192000" cy="6858000"/>
+          </a:xfrm>
+          <a:prstGeom prst="rect">
+            <a:avLst/>
+          </a:prstGeom>
+          <a:ln>
+            <a:noFill/>
+          </a:ln>
+        </p:spPr>
+        <p:style>
+          <a:lnRef idx="2">
+            <a:schemeClr val="accent1">
+              <a:shade val="50000"/>
+            </a:schemeClr>
+          </a:lnRef>
+          <a:fillRef idx="1">
+            <a:schemeClr val="accent1"/>
+          </a:fillRef>
+          <a:effectRef idx="0">
+            <a:schemeClr val="accent1"/>
+          </a:effectRef>
+          <a:fontRef idx="minor">
+            <a:schemeClr val="lt1"/>
+          </a:fontRef>
+        </p:style>
+        <p:txBody>
+          <a:bodyPr rtlCol="0" anchor="ctr"/>
+          <a:lstStyle/>
+          <a:p>
+            <a:pPr algn="ctr"/>
+            <a:endParaRPr lang="en-US"/>
+          </a:p>
+        </p:txBody>
+      </p:sp>
+      <p:sp>
+        <p:nvSpPr>
+          <p:cNvPr id="36" name="Freeform: Shape 35">
+            <a:extLst>
+              <a:ext uri="{FF2B5EF4-FFF2-40B4-BE49-F238E27FC236}">
+                <a16:creationId xmlns:a16="http://schemas.microsoft.com/office/drawing/2014/main" id="{EE2DB3C6-DA3F-4C8D-AF76-5A712D9F1E10}"/>
+              </a:ext>
+              <a:ext uri="{C183D7F6-B498-43B3-948B-1728B52AA6E4}">
+                <adec:decorative xmlns:adec="http://schemas.microsoft.com/office/drawing/2017/decorative" val="1"/>
+              </a:ext>
+            </a:extLst>
+          </p:cNvPr>
+          <p:cNvSpPr>
+            <a:spLocks noGrp="1" noRot="1" noChangeAspect="1" noMove="1" noResize="1" noEditPoints="1" noAdjustHandles="1" noChangeArrowheads="1" noChangeShapeType="1" noTextEdit="1"/>
+          </p:cNvSpPr>
+          <p:nvPr>
+            <p:extLst>
+              <p:ext uri="{386F3935-93C4-4BCD-93E2-E3B085C9AB24}">
+                <p16:designElem xmlns:p16="http://schemas.microsoft.com/office/powerpoint/2015/main" val="1"/>
+              </p:ext>
+            </p:extLst>
+          </p:nvPr>
+        </p:nvSpPr>
+        <p:spPr>
+          <a:xfrm>
+            <a:off x="1" y="0"/>
+            <a:ext cx="4681641" cy="6858000"/>
+          </a:xfrm>
+          <a:custGeom>
+            <a:avLst/>
+            <a:gdLst>
+              <a:gd name="connsiteX0" fmla="*/ 0 w 4681641"/>
+              <a:gd name="connsiteY0" fmla="*/ 0 h 6858000"/>
+              <a:gd name="connsiteX1" fmla="*/ 1849486 w 4681641"/>
+              <a:gd name="connsiteY1" fmla="*/ 0 h 6858000"/>
+              <a:gd name="connsiteX2" fmla="*/ 3062013 w 4681641"/>
+              <a:gd name="connsiteY2" fmla="*/ 0 h 6858000"/>
+              <a:gd name="connsiteX3" fmla="*/ 3066019 w 4681641"/>
+              <a:gd name="connsiteY3" fmla="*/ 3148 h 6858000"/>
+              <a:gd name="connsiteX4" fmla="*/ 4681641 w 4681641"/>
+              <a:gd name="connsiteY4" fmla="*/ 3429000 h 6858000"/>
+              <a:gd name="connsiteX5" fmla="*/ 3066019 w 4681641"/>
+              <a:gd name="connsiteY5" fmla="*/ 6854853 h 6858000"/>
+              <a:gd name="connsiteX6" fmla="*/ 3062014 w 4681641"/>
+              <a:gd name="connsiteY6" fmla="*/ 6858000 h 6858000"/>
+              <a:gd name="connsiteX7" fmla="*/ 1849486 w 4681641"/>
+              <a:gd name="connsiteY7" fmla="*/ 6858000 h 6858000"/>
+              <a:gd name="connsiteX8" fmla="*/ 0 w 4681641"/>
+              <a:gd name="connsiteY8" fmla="*/ 6858000 h 6858000"/>
+            </a:gdLst>
+            <a:ahLst/>
+            <a:cxnLst>
+              <a:cxn ang="0">
+                <a:pos x="connsiteX0" y="connsiteY0"/>
+              </a:cxn>
+              <a:cxn ang="0">
+                <a:pos x="connsiteX1" y="connsiteY1"/>
+              </a:cxn>
+              <a:cxn ang="0">
+                <a:pos x="connsiteX2" y="connsiteY2"/>
+              </a:cxn>
+              <a:cxn ang="0">
+                <a:pos x="connsiteX3" y="connsiteY3"/>
+              </a:cxn>
+              <a:cxn ang="0">
+                <a:pos x="connsiteX4" y="connsiteY4"/>
+              </a:cxn>
+              <a:cxn ang="0">
+                <a:pos x="connsiteX5" y="connsiteY5"/>
+              </a:cxn>
+              <a:cxn ang="0">
+                <a:pos x="connsiteX6" y="connsiteY6"/>
+              </a:cxn>
+              <a:cxn ang="0">
+                <a:pos x="connsiteX7" y="connsiteY7"/>
+              </a:cxn>
+              <a:cxn ang="0">
+                <a:pos x="connsiteX8" y="connsiteY8"/>
+              </a:cxn>
+            </a:cxnLst>
+            <a:rect l="l" t="t" r="r" b="b"/>
+            <a:pathLst>
+              <a:path w="4681641" h="6858000">
+                <a:moveTo>
+                  <a:pt x="0" y="0"/>
+                </a:moveTo>
+                <a:lnTo>
+                  <a:pt x="1849486" y="0"/>
+                </a:lnTo>
+                <a:lnTo>
+                  <a:pt x="3062013" y="0"/>
+                </a:lnTo>
+                <a:lnTo>
+                  <a:pt x="3066019" y="3148"/>
+                </a:lnTo>
+                <a:cubicBezTo>
+                  <a:pt x="4052720" y="817446"/>
+                  <a:pt x="4681641" y="2049777"/>
+                  <a:pt x="4681641" y="3429000"/>
+                </a:cubicBezTo>
+                <a:cubicBezTo>
+                  <a:pt x="4681641" y="4808224"/>
+                  <a:pt x="4052720" y="6040555"/>
+                  <a:pt x="3066019" y="6854853"/>
+                </a:cubicBezTo>
+                <a:lnTo>
+                  <a:pt x="3062014" y="6858000"/>
+                </a:lnTo>
+                <a:lnTo>
+                  <a:pt x="1849486" y="6858000"/>
+                </a:lnTo>
+                <a:lnTo>
+                  <a:pt x="0" y="6858000"/>
+                </a:lnTo>
+                <a:close/>
+              </a:path>
+            </a:pathLst>
+          </a:custGeom>
+          <a:solidFill>
+            <a:schemeClr val="tx1">
+              <a:lumMod val="50000"/>
+              <a:lumOff val="50000"/>
+              <a:alpha val="20000"/>
+            </a:schemeClr>
+          </a:solidFill>
+          <a:ln>
+            <a:noFill/>
+          </a:ln>
+        </p:spPr>
+        <p:style>
+          <a:lnRef idx="2">
+            <a:schemeClr val="accent1">
+              <a:shade val="50000"/>
+            </a:schemeClr>
+          </a:lnRef>
+          <a:fillRef idx="1">
+            <a:schemeClr val="accent1"/>
+          </a:fillRef>
+          <a:effectRef idx="0">
+            <a:schemeClr val="accent1"/>
+          </a:effectRef>
+          <a:fontRef idx="minor">
+            <a:schemeClr val="lt1"/>
+          </a:fontRef>
+        </p:style>
+        <p:txBody>
+          <a:bodyPr wrap="square" rtlCol="0" anchor="ctr">
+            <a:noAutofit/>
+          </a:bodyPr>
+          <a:lstStyle/>
+          <a:p>
+            <a:pPr algn="ctr"/>
+            <a:endParaRPr lang="en-US"/>
+          </a:p>
+        </p:txBody>
+      </p:sp>
+      <p:sp>
+        <p:nvSpPr>
+          <p:cNvPr id="38" name="Freeform: Shape 37">
+            <a:extLst>
+              <a:ext uri="{FF2B5EF4-FFF2-40B4-BE49-F238E27FC236}">
+                <a16:creationId xmlns:a16="http://schemas.microsoft.com/office/drawing/2014/main" id="{6B0D130E-005A-4A8B-AE4A-4F9E6A10E807}"/>
+              </a:ext>
+              <a:ext uri="{C183D7F6-B498-43B3-948B-1728B52AA6E4}">
+                <adec:decorative xmlns:adec="http://schemas.microsoft.com/office/drawing/2017/decorative" val="1"/>
+              </a:ext>
+            </a:extLst>
+          </p:cNvPr>
+          <p:cNvSpPr>
+            <a:spLocks noGrp="1" noRot="1" noChangeAspect="1" noMove="1" noResize="1" noEditPoints="1" noAdjustHandles="1" noChangeArrowheads="1" noChangeShapeType="1" noTextEdit="1"/>
+          </p:cNvSpPr>
+          <p:nvPr>
+            <p:extLst>
+              <p:ext uri="{386F3935-93C4-4BCD-93E2-E3B085C9AB24}">
+                <p16:designElem xmlns:p16="http://schemas.microsoft.com/office/powerpoint/2015/main" val="1"/>
+              </p:ext>
+            </p:extLst>
+          </p:nvPr>
+        </p:nvSpPr>
+        <p:spPr>
+          <a:xfrm>
+            <a:off x="4645420" y="470193"/>
+            <a:ext cx="2446744" cy="2452562"/>
+          </a:xfrm>
+          <a:custGeom>
+            <a:avLst/>
+            <a:gdLst>
+              <a:gd name="connsiteX0" fmla="*/ 0 w 2446744"/>
+              <a:gd name="connsiteY0" fmla="*/ 0 h 2452562"/>
+              <a:gd name="connsiteX1" fmla="*/ 230730 w 2446744"/>
+              <a:gd name="connsiteY1" fmla="*/ 35214 h 2452562"/>
+              <a:gd name="connsiteX2" fmla="*/ 2410483 w 2446744"/>
+              <a:gd name="connsiteY2" fmla="*/ 2214968 h 2452562"/>
+              <a:gd name="connsiteX3" fmla="*/ 2446744 w 2446744"/>
+              <a:gd name="connsiteY3" fmla="*/ 2452562 h 2452562"/>
+              <a:gd name="connsiteX4" fmla="*/ 1847625 w 2446744"/>
+              <a:gd name="connsiteY4" fmla="*/ 2452562 h 2452562"/>
+              <a:gd name="connsiteX5" fmla="*/ 1829601 w 2446744"/>
+              <a:gd name="connsiteY5" fmla="*/ 2334463 h 2452562"/>
+              <a:gd name="connsiteX6" fmla="*/ 111235 w 2446744"/>
+              <a:gd name="connsiteY6" fmla="*/ 616095 h 2452562"/>
+              <a:gd name="connsiteX7" fmla="*/ 0 w 2446744"/>
+              <a:gd name="connsiteY7" fmla="*/ 599119 h 2452562"/>
+            </a:gdLst>
+            <a:ahLst/>
+            <a:cxnLst>
+              <a:cxn ang="0">
+                <a:pos x="connsiteX0" y="connsiteY0"/>
+              </a:cxn>
+              <a:cxn ang="0">
+                <a:pos x="connsiteX1" y="connsiteY1"/>
+              </a:cxn>
+              <a:cxn ang="0">
+                <a:pos x="connsiteX2" y="connsiteY2"/>
+              </a:cxn>
+              <a:cxn ang="0">
+                <a:pos x="connsiteX3" y="connsiteY3"/>
+              </a:cxn>
+              <a:cxn ang="0">
+                <a:pos x="connsiteX4" y="connsiteY4"/>
+              </a:cxn>
+              <a:cxn ang="0">
+                <a:pos x="connsiteX5" y="connsiteY5"/>
+              </a:cxn>
+              <a:cxn ang="0">
+                <a:pos x="connsiteX6" y="connsiteY6"/>
+              </a:cxn>
+              <a:cxn ang="0">
+                <a:pos x="connsiteX7" y="connsiteY7"/>
+              </a:cxn>
+            </a:cxnLst>
+            <a:rect l="l" t="t" r="r" b="b"/>
+            <a:pathLst>
+              <a:path w="2446744" h="2452562">
+                <a:moveTo>
+                  <a:pt x="0" y="0"/>
+                </a:moveTo>
+                <a:lnTo>
+                  <a:pt x="230730" y="35214"/>
+                </a:lnTo>
+                <a:cubicBezTo>
+                  <a:pt x="1324840" y="259101"/>
+                  <a:pt x="2186596" y="1120858"/>
+                  <a:pt x="2410483" y="2214968"/>
+                </a:cubicBezTo>
+                <a:lnTo>
+                  <a:pt x="2446744" y="2452562"/>
+                </a:lnTo>
+                <a:lnTo>
+                  <a:pt x="1847625" y="2452562"/>
+                </a:lnTo>
+                <a:lnTo>
+                  <a:pt x="1829601" y="2334463"/>
+                </a:lnTo>
+                <a:cubicBezTo>
+                  <a:pt x="1653104" y="1471942"/>
+                  <a:pt x="973755" y="792593"/>
+                  <a:pt x="111235" y="616095"/>
+                </a:cubicBezTo>
+                <a:lnTo>
+                  <a:pt x="0" y="599119"/>
+                </a:lnTo>
+                <a:close/>
+              </a:path>
+            </a:pathLst>
+          </a:custGeom>
+          <a:solidFill>
+            <a:schemeClr val="accent6">
+              <a:alpha val="90000"/>
+            </a:schemeClr>
+          </a:solidFill>
+          <a:ln>
+            <a:noFill/>
+          </a:ln>
+        </p:spPr>
+        <p:style>
+          <a:lnRef idx="2">
+            <a:schemeClr val="accent1">
+              <a:shade val="50000"/>
+            </a:schemeClr>
+          </a:lnRef>
+          <a:fillRef idx="1">
+            <a:schemeClr val="accent1"/>
+          </a:fillRef>
+          <a:effectRef idx="0">
+            <a:schemeClr val="accent1"/>
+          </a:effectRef>
+          <a:fontRef idx="minor">
+            <a:schemeClr val="lt1"/>
+          </a:fontRef>
+        </p:style>
+        <p:txBody>
+          <a:bodyPr wrap="square" rtlCol="0" anchor="ctr">
+            <a:noAutofit/>
+          </a:bodyPr>
+          <a:lstStyle/>
+          <a:p>
+            <a:pPr algn="ctr"/>
+            <a:endParaRPr lang="en-US"/>
+          </a:p>
+        </p:txBody>
+      </p:sp>
+      <p:sp>
+        <p:nvSpPr>
+          <p:cNvPr id="40" name="Oval 39">
+            <a:extLst>
+              <a:ext uri="{FF2B5EF4-FFF2-40B4-BE49-F238E27FC236}">
+                <a16:creationId xmlns:a16="http://schemas.microsoft.com/office/drawing/2014/main" id="{4DE0FBC4-76C2-4FA1-A14B-AF5A773FF09E}"/>
+              </a:ext>
+              <a:ext uri="{C183D7F6-B498-43B3-948B-1728B52AA6E4}">
+                <adec:decorative xmlns:adec="http://schemas.microsoft.com/office/drawing/2017/decorative" val="1"/>
+              </a:ext>
+            </a:extLst>
+          </p:cNvPr>
+          <p:cNvSpPr>
+            <a:spLocks noGrp="1" noRot="1" noChangeAspect="1" noMove="1" noResize="1" noEditPoints="1" noAdjustHandles="1" noChangeArrowheads="1" noChangeShapeType="1" noTextEdit="1"/>
+          </p:cNvSpPr>
+          <p:nvPr>
+            <p:extLst>
+              <p:ext uri="{386F3935-93C4-4BCD-93E2-E3B085C9AB24}">
+                <p16:designElem xmlns:p16="http://schemas.microsoft.com/office/powerpoint/2015/main" val="1"/>
+              </p:ext>
+            </p:extLst>
+          </p:nvPr>
+        </p:nvSpPr>
+        <p:spPr>
+          <a:xfrm>
+            <a:off x="6547613" y="3163625"/>
+            <a:ext cx="530750" cy="530750"/>
+          </a:xfrm>
+          <a:prstGeom prst="ellipse">
+            <a:avLst/>
+          </a:prstGeom>
+          <a:solidFill>
+            <a:schemeClr val="tx1">
+              <a:lumMod val="65000"/>
+              <a:lumOff val="35000"/>
+              <a:alpha val="80000"/>
+            </a:schemeClr>
+          </a:solidFill>
+          <a:ln>
+            <a:noFill/>
+          </a:ln>
+        </p:spPr>
+        <p:style>
+          <a:lnRef idx="2">
+            <a:schemeClr val="accent1">
+              <a:shade val="50000"/>
+            </a:schemeClr>
+          </a:lnRef>
+          <a:fillRef idx="1">
+            <a:schemeClr val="accent1"/>
+          </a:fillRef>
+          <a:effectRef idx="0">
+            <a:schemeClr val="accent1"/>
+          </a:effectRef>
+          <a:fontRef idx="minor">
+            <a:schemeClr val="lt1"/>
+          </a:fontRef>
+        </p:style>
+        <p:txBody>
+          <a:bodyPr rtlCol="0" anchor="ctr"/>
+          <a:lstStyle/>
+          <a:p>
+            <a:pPr algn="ctr"/>
+            <a:endParaRPr lang="en-US"/>
+          </a:p>
+        </p:txBody>
+      </p:sp>
+      <p:sp>
+        <p:nvSpPr>
+          <p:cNvPr id="5" name="CuadroTexto 4">
+            <a:extLst>
+              <a:ext uri="{FF2B5EF4-FFF2-40B4-BE49-F238E27FC236}">
+                <a16:creationId xmlns:a16="http://schemas.microsoft.com/office/drawing/2014/main" id="{207B3B08-1CF5-4E0B-89B8-16BC57250AEA}"/>
+              </a:ext>
+            </a:extLst>
+          </p:cNvPr>
+          <p:cNvSpPr txBox="1"/>
+          <p:nvPr/>
+        </p:nvSpPr>
+        <p:spPr>
+          <a:xfrm>
             <a:off x="516132" y="3163625"/>
             <a:ext cx="4241241" cy="369332"/>
           </a:xfrm>
@@ -30236,7 +33398,7 @@
 </p:sld>
 </file>
 
-<file path=ppt/slides/slide13.xml><?xml version="1.0" encoding="utf-8"?>
+<file path=ppt/slides/slide14.xml><?xml version="1.0" encoding="utf-8"?>
 <p:sld xmlns:a="http://schemas.openxmlformats.org/drawingml/2006/main" xmlns:r="http://schemas.openxmlformats.org/officeDocument/2006/relationships" xmlns:p="http://schemas.openxmlformats.org/presentationml/2006/main">
   <p:cSld>
     <p:bg>
@@ -30748,7 +33910,7 @@
 </p:sld>
 </file>
 
-<file path=ppt/slides/slide14.xml><?xml version="1.0" encoding="utf-8"?>
+<file path=ppt/slides/slide15.xml><?xml version="1.0" encoding="utf-8"?>
 <p:sld xmlns:a="http://schemas.openxmlformats.org/drawingml/2006/main" xmlns:r="http://schemas.openxmlformats.org/officeDocument/2006/relationships" xmlns:p="http://schemas.openxmlformats.org/presentationml/2006/main">
   <p:cSld>
     <p:bg>
@@ -32756,7 +35918,7 @@
           <p:nvPr>
             <p:extLst>
               <p:ext uri="{D42A27DB-BD31-4B8C-83A1-F6EECF244321}">
-                <p14:modId xmlns:p14="http://schemas.microsoft.com/office/powerpoint/2010/main" val="704253805"/>
+                <p14:modId xmlns:p14="http://schemas.microsoft.com/office/powerpoint/2010/main" val="4046554277"/>
               </p:ext>
             </p:extLst>
           </p:nvPr>
